--- a/doc/tex/sdf/simplified_coherent_receiver/figures/Single_Polarization_Tx.pptx
+++ b/doc/tex/sdf/simplified_coherent_receiver/figures/Single_Polarization_Tx.pptx
@@ -243,7 +243,7 @@
           <a:p>
             <a:fld id="{BBEA5209-9876-4E05-9D10-09D3A401A5DA}" type="datetimeFigureOut">
               <a:rPr lang="en-US" smtClean="0"/>
-              <a:t>8/29/2017</a:t>
+              <a:t>9/7/2017</a:t>
             </a:fld>
             <a:endParaRPr lang="en-US"/>
           </a:p>
@@ -413,7 +413,7 @@
           <a:p>
             <a:fld id="{BBEA5209-9876-4E05-9D10-09D3A401A5DA}" type="datetimeFigureOut">
               <a:rPr lang="en-US" smtClean="0"/>
-              <a:t>8/29/2017</a:t>
+              <a:t>9/7/2017</a:t>
             </a:fld>
             <a:endParaRPr lang="en-US"/>
           </a:p>
@@ -593,7 +593,7 @@
           <a:p>
             <a:fld id="{BBEA5209-9876-4E05-9D10-09D3A401A5DA}" type="datetimeFigureOut">
               <a:rPr lang="en-US" smtClean="0"/>
-              <a:t>8/29/2017</a:t>
+              <a:t>9/7/2017</a:t>
             </a:fld>
             <a:endParaRPr lang="en-US"/>
           </a:p>
@@ -763,7 +763,7 @@
           <a:p>
             <a:fld id="{BBEA5209-9876-4E05-9D10-09D3A401A5DA}" type="datetimeFigureOut">
               <a:rPr lang="en-US" smtClean="0"/>
-              <a:t>8/29/2017</a:t>
+              <a:t>9/7/2017</a:t>
             </a:fld>
             <a:endParaRPr lang="en-US"/>
           </a:p>
@@ -1009,7 +1009,7 @@
           <a:p>
             <a:fld id="{BBEA5209-9876-4E05-9D10-09D3A401A5DA}" type="datetimeFigureOut">
               <a:rPr lang="en-US" smtClean="0"/>
-              <a:t>8/29/2017</a:t>
+              <a:t>9/7/2017</a:t>
             </a:fld>
             <a:endParaRPr lang="en-US"/>
           </a:p>
@@ -1241,7 +1241,7 @@
           <a:p>
             <a:fld id="{BBEA5209-9876-4E05-9D10-09D3A401A5DA}" type="datetimeFigureOut">
               <a:rPr lang="en-US" smtClean="0"/>
-              <a:t>8/29/2017</a:t>
+              <a:t>9/7/2017</a:t>
             </a:fld>
             <a:endParaRPr lang="en-US"/>
           </a:p>
@@ -1608,7 +1608,7 @@
           <a:p>
             <a:fld id="{BBEA5209-9876-4E05-9D10-09D3A401A5DA}" type="datetimeFigureOut">
               <a:rPr lang="en-US" smtClean="0"/>
-              <a:t>8/29/2017</a:t>
+              <a:t>9/7/2017</a:t>
             </a:fld>
             <a:endParaRPr lang="en-US"/>
           </a:p>
@@ -1726,7 +1726,7 @@
           <a:p>
             <a:fld id="{BBEA5209-9876-4E05-9D10-09D3A401A5DA}" type="datetimeFigureOut">
               <a:rPr lang="en-US" smtClean="0"/>
-              <a:t>8/29/2017</a:t>
+              <a:t>9/7/2017</a:t>
             </a:fld>
             <a:endParaRPr lang="en-US"/>
           </a:p>
@@ -1821,7 +1821,7 @@
           <a:p>
             <a:fld id="{BBEA5209-9876-4E05-9D10-09D3A401A5DA}" type="datetimeFigureOut">
               <a:rPr lang="en-US" smtClean="0"/>
-              <a:t>8/29/2017</a:t>
+              <a:t>9/7/2017</a:t>
             </a:fld>
             <a:endParaRPr lang="en-US"/>
           </a:p>
@@ -2098,7 +2098,7 @@
           <a:p>
             <a:fld id="{BBEA5209-9876-4E05-9D10-09D3A401A5DA}" type="datetimeFigureOut">
               <a:rPr lang="en-US" smtClean="0"/>
-              <a:t>8/29/2017</a:t>
+              <a:t>9/7/2017</a:t>
             </a:fld>
             <a:endParaRPr lang="en-US"/>
           </a:p>
@@ -2351,7 +2351,7 @@
           <a:p>
             <a:fld id="{BBEA5209-9876-4E05-9D10-09D3A401A5DA}" type="datetimeFigureOut">
               <a:rPr lang="en-US" smtClean="0"/>
-              <a:t>8/29/2017</a:t>
+              <a:t>9/7/2017</a:t>
             </a:fld>
             <a:endParaRPr lang="en-US"/>
           </a:p>
@@ -2564,7 +2564,7 @@
           <a:p>
             <a:fld id="{BBEA5209-9876-4E05-9D10-09D3A401A5DA}" type="datetimeFigureOut">
               <a:rPr lang="en-US" smtClean="0"/>
-              <a:t>8/29/2017</a:t>
+              <a:t>9/7/2017</a:t>
             </a:fld>
             <a:endParaRPr lang="en-US"/>
           </a:p>

--- a/doc/tex/sdf/simplified_coherent_receiver/figures/Single_Polarization_Tx.pptx
+++ b/doc/tex/sdf/simplified_coherent_receiver/figures/Single_Polarization_Tx.pptx
@@ -243,7 +243,7 @@
           <a:p>
             <a:fld id="{BBEA5209-9876-4E05-9D10-09D3A401A5DA}" type="datetimeFigureOut">
               <a:rPr lang="en-US" smtClean="0"/>
-              <a:t>9/7/2017</a:t>
+              <a:t>9/13/2017</a:t>
             </a:fld>
             <a:endParaRPr lang="en-US"/>
           </a:p>
@@ -413,7 +413,7 @@
           <a:p>
             <a:fld id="{BBEA5209-9876-4E05-9D10-09D3A401A5DA}" type="datetimeFigureOut">
               <a:rPr lang="en-US" smtClean="0"/>
-              <a:t>9/7/2017</a:t>
+              <a:t>9/13/2017</a:t>
             </a:fld>
             <a:endParaRPr lang="en-US"/>
           </a:p>
@@ -593,7 +593,7 @@
           <a:p>
             <a:fld id="{BBEA5209-9876-4E05-9D10-09D3A401A5DA}" type="datetimeFigureOut">
               <a:rPr lang="en-US" smtClean="0"/>
-              <a:t>9/7/2017</a:t>
+              <a:t>9/13/2017</a:t>
             </a:fld>
             <a:endParaRPr lang="en-US"/>
           </a:p>
@@ -763,7 +763,7 @@
           <a:p>
             <a:fld id="{BBEA5209-9876-4E05-9D10-09D3A401A5DA}" type="datetimeFigureOut">
               <a:rPr lang="en-US" smtClean="0"/>
-              <a:t>9/7/2017</a:t>
+              <a:t>9/13/2017</a:t>
             </a:fld>
             <a:endParaRPr lang="en-US"/>
           </a:p>
@@ -1009,7 +1009,7 @@
           <a:p>
             <a:fld id="{BBEA5209-9876-4E05-9D10-09D3A401A5DA}" type="datetimeFigureOut">
               <a:rPr lang="en-US" smtClean="0"/>
-              <a:t>9/7/2017</a:t>
+              <a:t>9/13/2017</a:t>
             </a:fld>
             <a:endParaRPr lang="en-US"/>
           </a:p>
@@ -1241,7 +1241,7 @@
           <a:p>
             <a:fld id="{BBEA5209-9876-4E05-9D10-09D3A401A5DA}" type="datetimeFigureOut">
               <a:rPr lang="en-US" smtClean="0"/>
-              <a:t>9/7/2017</a:t>
+              <a:t>9/13/2017</a:t>
             </a:fld>
             <a:endParaRPr lang="en-US"/>
           </a:p>
@@ -1608,7 +1608,7 @@
           <a:p>
             <a:fld id="{BBEA5209-9876-4E05-9D10-09D3A401A5DA}" type="datetimeFigureOut">
               <a:rPr lang="en-US" smtClean="0"/>
-              <a:t>9/7/2017</a:t>
+              <a:t>9/13/2017</a:t>
             </a:fld>
             <a:endParaRPr lang="en-US"/>
           </a:p>
@@ -1726,7 +1726,7 @@
           <a:p>
             <a:fld id="{BBEA5209-9876-4E05-9D10-09D3A401A5DA}" type="datetimeFigureOut">
               <a:rPr lang="en-US" smtClean="0"/>
-              <a:t>9/7/2017</a:t>
+              <a:t>9/13/2017</a:t>
             </a:fld>
             <a:endParaRPr lang="en-US"/>
           </a:p>
@@ -1821,7 +1821,7 @@
           <a:p>
             <a:fld id="{BBEA5209-9876-4E05-9D10-09D3A401A5DA}" type="datetimeFigureOut">
               <a:rPr lang="en-US" smtClean="0"/>
-              <a:t>9/7/2017</a:t>
+              <a:t>9/13/2017</a:t>
             </a:fld>
             <a:endParaRPr lang="en-US"/>
           </a:p>
@@ -2098,7 +2098,7 @@
           <a:p>
             <a:fld id="{BBEA5209-9876-4E05-9D10-09D3A401A5DA}" type="datetimeFigureOut">
               <a:rPr lang="en-US" smtClean="0"/>
-              <a:t>9/7/2017</a:t>
+              <a:t>9/13/2017</a:t>
             </a:fld>
             <a:endParaRPr lang="en-US"/>
           </a:p>
@@ -2351,7 +2351,7 @@
           <a:p>
             <a:fld id="{BBEA5209-9876-4E05-9D10-09D3A401A5DA}" type="datetimeFigureOut">
               <a:rPr lang="en-US" smtClean="0"/>
-              <a:t>9/7/2017</a:t>
+              <a:t>9/13/2017</a:t>
             </a:fld>
             <a:endParaRPr lang="en-US"/>
           </a:p>
@@ -2564,7 +2564,7 @@
           <a:p>
             <a:fld id="{BBEA5209-9876-4E05-9D10-09D3A401A5DA}" type="datetimeFigureOut">
               <a:rPr lang="en-US" smtClean="0"/>
-              <a:t>9/7/2017</a:t>
+              <a:t>9/13/2017</a:t>
             </a:fld>
             <a:endParaRPr lang="en-US"/>
           </a:p>
@@ -2977,6 +2977,55 @@
           <a:chExt cx="0" cy="0"/>
         </a:xfrm>
       </p:grpSpPr>
+      <p:sp>
+        <p:nvSpPr>
+          <p:cNvPr id="78" name="Rectangle 77"/>
+          <p:cNvSpPr/>
+          <p:nvPr/>
+        </p:nvSpPr>
+        <p:spPr>
+          <a:xfrm>
+            <a:off x="73555" y="267051"/>
+            <a:ext cx="4752975" cy="2980974"/>
+          </a:xfrm>
+          <a:prstGeom prst="rect">
+            <a:avLst/>
+          </a:prstGeom>
+          <a:solidFill>
+            <a:schemeClr val="lt1">
+              <a:alpha val="0"/>
+            </a:schemeClr>
+          </a:solidFill>
+          <a:ln w="28575">
+            <a:solidFill>
+              <a:schemeClr val="dk1"/>
+            </a:solidFill>
+            <a:prstDash val="sysDash"/>
+          </a:ln>
+        </p:spPr>
+        <p:style>
+          <a:lnRef idx="2">
+            <a:schemeClr val="dk1"/>
+          </a:lnRef>
+          <a:fillRef idx="1">
+            <a:schemeClr val="lt1"/>
+          </a:fillRef>
+          <a:effectRef idx="0">
+            <a:schemeClr val="dk1"/>
+          </a:effectRef>
+          <a:fontRef idx="minor">
+            <a:schemeClr val="dk1"/>
+          </a:fontRef>
+        </p:style>
+        <p:txBody>
+          <a:bodyPr rtlCol="0" anchor="ctr"/>
+          <a:lstStyle/>
+          <a:p>
+            <a:pPr algn="ctr"/>
+            <a:endParaRPr lang="en-US"/>
+          </a:p>
+        </p:txBody>
+      </p:sp>
       <p:grpSp>
         <p:nvGrpSpPr>
           <p:cNvPr id="2" name="Group 1"/>
@@ -2985,10 +3034,10 @@
         </p:nvGrpSpPr>
         <p:grpSpPr>
           <a:xfrm>
-            <a:off x="440673" y="2124093"/>
-            <a:ext cx="11420889" cy="2516274"/>
+            <a:off x="4933444" y="3298475"/>
+            <a:ext cx="7227017" cy="1606900"/>
             <a:chOff x="645772" y="1807898"/>
-            <a:chExt cx="11428800" cy="2192366"/>
+            <a:chExt cx="11603315" cy="2192366"/>
           </a:xfrm>
         </p:grpSpPr>
         <p:pic>
@@ -3097,8 +3146,8 @@
           </p:nvSpPr>
           <p:spPr>
             <a:xfrm>
-              <a:off x="921201" y="2091912"/>
-              <a:ext cx="758541" cy="369332"/>
+              <a:off x="777728" y="2027804"/>
+              <a:ext cx="1043312" cy="425038"/>
             </a:xfrm>
             <a:prstGeom prst="rect">
               <a:avLst/>
@@ -3112,10 +3161,10 @@
             <a:lstStyle/>
             <a:p>
               <a:r>
-                <a:rPr lang="en-US" dirty="0" smtClean="0"/>
+                <a:rPr lang="en-US" sz="1400" dirty="0" smtClean="0"/>
                 <a:t>LASER</a:t>
               </a:r>
-              <a:endParaRPr lang="en-US" dirty="0"/>
+              <a:endParaRPr lang="en-US" sz="1400" dirty="0"/>
             </a:p>
           </p:txBody>
         </p:sp>
@@ -3127,8 +3176,8 @@
           </p:nvSpPr>
           <p:spPr>
             <a:xfrm>
-              <a:off x="2603847" y="2091912"/>
-              <a:ext cx="892039" cy="369332"/>
+              <a:off x="2450921" y="2202899"/>
+              <a:ext cx="1217674" cy="425038"/>
             </a:xfrm>
             <a:prstGeom prst="rect">
               <a:avLst/>
@@ -3142,10 +3191,10 @@
             <a:lstStyle/>
             <a:p>
               <a:r>
-                <a:rPr lang="en-US" dirty="0" smtClean="0"/>
+                <a:rPr lang="en-US" sz="1400" dirty="0" smtClean="0"/>
                 <a:t>Isolator</a:t>
               </a:r>
-              <a:endParaRPr lang="en-US" dirty="0"/>
+              <a:endParaRPr lang="en-US" sz="1400" dirty="0"/>
             </a:p>
           </p:txBody>
         </p:sp>
@@ -3229,10 +3278,10 @@
           </p:nvGrpSpPr>
           <p:grpSpPr>
             <a:xfrm>
-              <a:off x="4253843" y="2743155"/>
-              <a:ext cx="605218" cy="197879"/>
-              <a:chOff x="1497855" y="5388767"/>
-              <a:chExt cx="605218" cy="197879"/>
+              <a:off x="4253842" y="2743155"/>
+              <a:ext cx="605218" cy="197878"/>
+              <a:chOff x="1497854" y="5388767"/>
+              <a:chExt cx="605218" cy="197878"/>
             </a:xfrm>
           </p:grpSpPr>
           <p:grpSp>
@@ -3375,7 +3424,7 @@
             </p:nvCxnSpPr>
             <p:spPr>
               <a:xfrm flipV="1">
-                <a:off x="1497855" y="5586645"/>
+                <a:off x="1497854" y="5586644"/>
                 <a:ext cx="605218" cy="1"/>
               </a:xfrm>
               <a:prstGeom prst="line">
@@ -3407,8 +3456,8 @@
           </p:nvSpPr>
           <p:spPr>
             <a:xfrm>
-              <a:off x="3886717" y="1953412"/>
-              <a:ext cx="1339469" cy="646331"/>
+              <a:off x="3660451" y="2060635"/>
+              <a:ext cx="1791999" cy="722563"/>
             </a:xfrm>
             <a:prstGeom prst="rect">
               <a:avLst/>
@@ -3423,17 +3472,17 @@
             <a:p>
               <a:pPr algn="ctr"/>
               <a:r>
-                <a:rPr lang="en-US" dirty="0" smtClean="0"/>
+                <a:rPr lang="en-US" sz="1400" dirty="0" smtClean="0"/>
                 <a:t>Polarization </a:t>
               </a:r>
             </a:p>
             <a:p>
               <a:pPr algn="ctr"/>
               <a:r>
-                <a:rPr lang="en-US" dirty="0" smtClean="0"/>
+                <a:rPr lang="en-US" sz="1400" dirty="0" smtClean="0"/>
                 <a:t>Controller</a:t>
               </a:r>
-              <a:endParaRPr lang="en-US" dirty="0"/>
+              <a:endParaRPr lang="en-US" sz="1400" dirty="0"/>
             </a:p>
           </p:txBody>
         </p:sp>
@@ -3475,8 +3524,8 @@
           </p:nvSpPr>
           <p:spPr>
             <a:xfrm>
-              <a:off x="8852312" y="1807898"/>
-              <a:ext cx="660758" cy="646331"/>
+              <a:off x="8724555" y="1807898"/>
+              <a:ext cx="916273" cy="722563"/>
             </a:xfrm>
             <a:prstGeom prst="rect">
               <a:avLst/>
@@ -3491,17 +3540,17 @@
             <a:p>
               <a:pPr algn="ctr"/>
               <a:r>
-                <a:rPr lang="en-US" dirty="0" smtClean="0"/>
+                <a:rPr lang="en-US" sz="1400" dirty="0" smtClean="0"/>
                 <a:t>Fiber</a:t>
               </a:r>
             </a:p>
             <a:p>
               <a:pPr algn="ctr"/>
               <a:r>
-                <a:rPr lang="en-US" dirty="0" smtClean="0"/>
+                <a:rPr lang="en-US" sz="1400" dirty="0" smtClean="0"/>
                 <a:t>Loop</a:t>
               </a:r>
-              <a:endParaRPr lang="en-US" dirty="0"/>
+              <a:endParaRPr lang="en-US" sz="1400" dirty="0"/>
             </a:p>
           </p:txBody>
         </p:sp>
@@ -3834,8 +3883,8 @@
           </p:nvSpPr>
           <p:spPr>
             <a:xfrm>
-              <a:off x="10771779" y="2617865"/>
-              <a:ext cx="1302793" cy="646331"/>
+              <a:off x="10365655" y="2584104"/>
+              <a:ext cx="1883432" cy="713853"/>
             </a:xfrm>
             <a:prstGeom prst="rect">
               <a:avLst/>
@@ -3850,352 +3899,52 @@
             <a:p>
               <a:pPr algn="ctr"/>
               <a:r>
-                <a:rPr lang="en-US" dirty="0" smtClean="0"/>
-                <a:t>Transmitted</a:t>
+                <a:rPr lang="en-US" sz="1400" dirty="0" smtClean="0"/>
+                <a:t>SSB </a:t>
               </a:r>
             </a:p>
             <a:p>
               <a:pPr algn="ctr"/>
               <a:r>
-                <a:rPr lang="en-US" dirty="0" smtClean="0"/>
-                <a:t>Signal</a:t>
+                <a:rPr lang="en-US" sz="1400" dirty="0" smtClean="0"/>
+                <a:t>Optical Signal</a:t>
               </a:r>
-              <a:endParaRPr lang="en-US" dirty="0"/>
+              <a:endParaRPr lang="en-US" sz="1400" dirty="0"/>
             </a:p>
           </p:txBody>
         </p:sp>
       </p:grpSp>
-      <p:sp>
-        <p:nvSpPr>
-          <p:cNvPr id="10" name="Pentagon 9"/>
-          <p:cNvSpPr/>
-          <p:nvPr/>
-        </p:nvSpPr>
-        <p:spPr>
-          <a:xfrm>
-            <a:off x="3385866" y="1221487"/>
-            <a:ext cx="1052011" cy="461753"/>
-          </a:xfrm>
-          <a:prstGeom prst="homePlate">
-            <a:avLst/>
-          </a:prstGeom>
-          <a:solidFill>
-            <a:srgbClr val="00B050"/>
-          </a:solidFill>
-          <a:ln>
-            <a:noFill/>
-          </a:ln>
-          <a:effectLst>
-            <a:outerShdw blurRad="44450" dist="27940" dir="5400000" algn="ctr">
-              <a:srgbClr val="000000">
-                <a:alpha val="32000"/>
-              </a:srgbClr>
-            </a:outerShdw>
-          </a:effectLst>
-          <a:scene3d>
-            <a:camera prst="orthographicFront">
-              <a:rot lat="0" lon="0" rev="0"/>
-            </a:camera>
-            <a:lightRig rig="balanced" dir="t">
-              <a:rot lat="0" lon="0" rev="8700000"/>
-            </a:lightRig>
-          </a:scene3d>
-          <a:sp3d>
-            <a:bevelT w="190500" h="38100"/>
-          </a:sp3d>
-        </p:spPr>
-        <p:style>
-          <a:lnRef idx="2">
-            <a:schemeClr val="accent1">
-              <a:shade val="50000"/>
-            </a:schemeClr>
-          </a:lnRef>
-          <a:fillRef idx="1">
-            <a:schemeClr val="accent1"/>
-          </a:fillRef>
-          <a:effectRef idx="0">
-            <a:schemeClr val="accent1"/>
-          </a:effectRef>
-          <a:fontRef idx="minor">
-            <a:schemeClr val="lt1"/>
-          </a:fontRef>
-        </p:style>
-        <p:txBody>
-          <a:bodyPr rtlCol="0" anchor="ctr"/>
-          <a:lstStyle/>
-          <a:p>
-            <a:pPr algn="ctr"/>
-            <a:r>
-              <a:rPr lang="en-US" b="1" dirty="0" smtClean="0">
-                <a:solidFill>
-                  <a:schemeClr val="tx1"/>
-                </a:solidFill>
-              </a:rPr>
-              <a:t>DAC</a:t>
-            </a:r>
-            <a:endParaRPr lang="en-US" b="1" dirty="0">
-              <a:solidFill>
-                <a:schemeClr val="tx1"/>
-              </a:solidFill>
-            </a:endParaRPr>
-          </a:p>
-        </p:txBody>
-      </p:sp>
-      <p:sp>
-        <p:nvSpPr>
-          <p:cNvPr id="11" name="Isosceles Triangle 10"/>
-          <p:cNvSpPr/>
-          <p:nvPr/>
-        </p:nvSpPr>
-        <p:spPr>
-          <a:xfrm rot="5400000">
-            <a:off x="4957356" y="1036425"/>
-            <a:ext cx="824054" cy="831877"/>
-          </a:xfrm>
-          <a:prstGeom prst="triangle">
-            <a:avLst/>
-          </a:prstGeom>
-          <a:solidFill>
-            <a:srgbClr val="00B0F0"/>
-          </a:solidFill>
-          <a:ln>
-            <a:noFill/>
-          </a:ln>
-          <a:effectLst>
-            <a:outerShdw blurRad="44450" dist="27940" dir="5400000" algn="ctr">
-              <a:srgbClr val="000000">
-                <a:alpha val="32000"/>
-              </a:srgbClr>
-            </a:outerShdw>
-          </a:effectLst>
-          <a:scene3d>
-            <a:camera prst="orthographicFront">
-              <a:rot lat="0" lon="0" rev="0"/>
-            </a:camera>
-            <a:lightRig rig="balanced" dir="t">
-              <a:rot lat="0" lon="0" rev="8700000"/>
-            </a:lightRig>
-          </a:scene3d>
-          <a:sp3d>
-            <a:bevelT w="190500" h="38100"/>
-          </a:sp3d>
-        </p:spPr>
-        <p:style>
-          <a:lnRef idx="2">
-            <a:schemeClr val="accent1">
-              <a:shade val="50000"/>
-            </a:schemeClr>
-          </a:lnRef>
-          <a:fillRef idx="1">
-            <a:schemeClr val="accent1"/>
-          </a:fillRef>
-          <a:effectRef idx="0">
-            <a:schemeClr val="accent1"/>
-          </a:effectRef>
-          <a:fontRef idx="minor">
-            <a:schemeClr val="lt1"/>
-          </a:fontRef>
-        </p:style>
-        <p:txBody>
-          <a:bodyPr vert="vert270" rtlCol="0" anchor="ctr"/>
-          <a:lstStyle/>
-          <a:p>
-            <a:pPr algn="ctr"/>
-            <a:r>
-              <a:rPr lang="en-US" b="1" dirty="0" smtClean="0">
-                <a:solidFill>
-                  <a:schemeClr val="tx1"/>
-                </a:solidFill>
-              </a:rPr>
-              <a:t>TIA</a:t>
-            </a:r>
-            <a:endParaRPr lang="en-US" b="1" dirty="0">
-              <a:solidFill>
-                <a:schemeClr val="tx1"/>
-              </a:solidFill>
-            </a:endParaRPr>
-          </a:p>
-        </p:txBody>
-      </p:sp>
-      <p:sp>
-        <p:nvSpPr>
-          <p:cNvPr id="22" name="Rectangle 21"/>
-          <p:cNvSpPr/>
-          <p:nvPr/>
-        </p:nvSpPr>
-        <p:spPr>
-          <a:xfrm>
-            <a:off x="2066994" y="1221487"/>
-            <a:ext cx="803305" cy="461753"/>
-          </a:xfrm>
-          <a:prstGeom prst="rect">
-            <a:avLst/>
-          </a:prstGeom>
-          <a:solidFill>
-            <a:srgbClr val="FF0000"/>
-          </a:solidFill>
-          <a:ln>
-            <a:noFill/>
-          </a:ln>
-          <a:effectLst/>
-          <a:scene3d>
-            <a:camera prst="orthographicFront">
-              <a:rot lat="0" lon="0" rev="0"/>
-            </a:camera>
-            <a:lightRig rig="contrasting" dir="t">
-              <a:rot lat="0" lon="0" rev="7800000"/>
-            </a:lightRig>
-          </a:scene3d>
-          <a:sp3d>
-            <a:bevelT w="139700" h="139700"/>
-          </a:sp3d>
-        </p:spPr>
-        <p:style>
-          <a:lnRef idx="2">
-            <a:schemeClr val="accent1">
-              <a:shade val="50000"/>
-            </a:schemeClr>
-          </a:lnRef>
-          <a:fillRef idx="1">
-            <a:schemeClr val="accent1"/>
-          </a:fillRef>
-          <a:effectRef idx="0">
-            <a:schemeClr val="accent1"/>
-          </a:effectRef>
-          <a:fontRef idx="minor">
-            <a:schemeClr val="lt1"/>
-          </a:fontRef>
-        </p:style>
-        <p:txBody>
-          <a:bodyPr rtlCol="0" anchor="ctr"/>
-          <a:lstStyle/>
-          <a:p>
-            <a:pPr algn="ctr"/>
-            <a:r>
-              <a:rPr lang="en-US" b="1" dirty="0" smtClean="0">
-                <a:solidFill>
-                  <a:schemeClr val="tx1"/>
-                </a:solidFill>
-              </a:rPr>
-              <a:t>DSP</a:t>
-            </a:r>
-            <a:endParaRPr lang="en-US" b="1" dirty="0">
-              <a:solidFill>
-                <a:schemeClr val="tx1"/>
-              </a:solidFill>
-            </a:endParaRPr>
-          </a:p>
-        </p:txBody>
-      </p:sp>
       <p:cxnSp>
         <p:nvCxnSpPr>
-          <p:cNvPr id="25" name="Straight Arrow Connector 24"/>
+          <p:cNvPr id="40" name="Elbow Connector 39"/>
           <p:cNvCxnSpPr>
-            <a:stCxn id="22" idx="3"/>
-            <a:endCxn id="10" idx="1"/>
+            <a:stCxn id="48" idx="3"/>
           </p:cNvCxnSpPr>
           <p:nvPr/>
         </p:nvCxnSpPr>
         <p:spPr>
           <a:xfrm>
-            <a:off x="2870299" y="1452364"/>
-            <a:ext cx="515567" cy="0"/>
+            <a:off x="4260085" y="893811"/>
+            <a:ext cx="4248160" cy="2654131"/>
           </a:xfrm>
-          <a:prstGeom prst="straightConnector1">
-            <a:avLst/>
+          <a:prstGeom prst="bentConnector3">
+            <a:avLst>
+              <a:gd name="adj1" fmla="val 99889"/>
+            </a:avLst>
           </a:prstGeom>
           <a:ln w="28575">
-            <a:solidFill>
-              <a:schemeClr val="tx1"/>
-            </a:solidFill>
             <a:tailEnd type="triangle"/>
           </a:ln>
         </p:spPr>
         <p:style>
           <a:lnRef idx="1">
-            <a:schemeClr val="accent1"/>
+            <a:schemeClr val="dk1"/>
           </a:lnRef>
           <a:fillRef idx="0">
-            <a:schemeClr val="accent1"/>
+            <a:schemeClr val="dk1"/>
           </a:fillRef>
           <a:effectRef idx="0">
-            <a:schemeClr val="accent1"/>
-          </a:effectRef>
-          <a:fontRef idx="minor">
-            <a:schemeClr val="tx1"/>
-          </a:fontRef>
-        </p:style>
-      </p:cxnSp>
-      <p:cxnSp>
-        <p:nvCxnSpPr>
-          <p:cNvPr id="27" name="Straight Arrow Connector 26"/>
-          <p:cNvCxnSpPr>
-            <a:stCxn id="10" idx="3"/>
-            <a:endCxn id="11" idx="3"/>
-          </p:cNvCxnSpPr>
-          <p:nvPr/>
-        </p:nvCxnSpPr>
-        <p:spPr>
-          <a:xfrm>
-            <a:off x="4437877" y="1452364"/>
-            <a:ext cx="515568" cy="0"/>
-          </a:xfrm>
-          <a:prstGeom prst="straightConnector1">
-            <a:avLst/>
-          </a:prstGeom>
-          <a:ln w="28575">
-            <a:solidFill>
-              <a:schemeClr val="tx1"/>
-            </a:solidFill>
-            <a:tailEnd type="triangle"/>
-          </a:ln>
-        </p:spPr>
-        <p:style>
-          <a:lnRef idx="1">
-            <a:schemeClr val="accent1"/>
-          </a:lnRef>
-          <a:fillRef idx="0">
-            <a:schemeClr val="accent1"/>
-          </a:fillRef>
-          <a:effectRef idx="0">
-            <a:schemeClr val="accent1"/>
-          </a:effectRef>
-          <a:fontRef idx="minor">
-            <a:schemeClr val="tx1"/>
-          </a:fontRef>
-        </p:style>
-      </p:cxnSp>
-      <p:cxnSp>
-        <p:nvCxnSpPr>
-          <p:cNvPr id="32" name="Elbow Connector 31"/>
-          <p:cNvCxnSpPr>
-            <a:stCxn id="11" idx="0"/>
-          </p:cNvCxnSpPr>
-          <p:nvPr/>
-        </p:nvCxnSpPr>
-        <p:spPr>
-          <a:xfrm>
-            <a:off x="5785322" y="1452364"/>
-            <a:ext cx="384497" cy="924124"/>
-          </a:xfrm>
-          <a:prstGeom prst="bentConnector2">
-            <a:avLst/>
-          </a:prstGeom>
-          <a:ln w="28575">
-            <a:solidFill>
-              <a:schemeClr val="tx1"/>
-            </a:solidFill>
-          </a:ln>
-        </p:spPr>
-        <p:style>
-          <a:lnRef idx="1">
-            <a:schemeClr val="accent1"/>
-          </a:lnRef>
-          <a:fillRef idx="0">
-            <a:schemeClr val="accent1"/>
-          </a:fillRef>
-          <a:effectRef idx="0">
-            <a:schemeClr val="accent1"/>
+            <a:schemeClr val="dk1"/>
           </a:effectRef>
           <a:fontRef idx="minor">
             <a:schemeClr val="tx1"/>
@@ -4204,42 +3953,42 @@
       </p:cxnSp>
       <p:grpSp>
         <p:nvGrpSpPr>
-          <p:cNvPr id="33" name="Group 32"/>
+          <p:cNvPr id="83" name="Group 82"/>
           <p:cNvGrpSpPr/>
           <p:nvPr/>
         </p:nvGrpSpPr>
         <p:grpSpPr>
           <a:xfrm>
-            <a:off x="2066995" y="5160311"/>
-            <a:ext cx="3718327" cy="824054"/>
-            <a:chOff x="2066994" y="4912593"/>
-            <a:chExt cx="3718327" cy="824054"/>
+            <a:off x="161924" y="522845"/>
+            <a:ext cx="4098161" cy="2584313"/>
+            <a:chOff x="161924" y="522845"/>
+            <a:chExt cx="4098161" cy="2584313"/>
           </a:xfrm>
         </p:grpSpPr>
         <p:sp>
           <p:nvSpPr>
-            <p:cNvPr id="68" name="Pentagon 67"/>
+            <p:cNvPr id="22" name="Rectangle 21"/>
             <p:cNvSpPr/>
             <p:nvPr/>
           </p:nvSpPr>
           <p:spPr>
             <a:xfrm>
-              <a:off x="3385866" y="5093743"/>
-              <a:ext cx="1052011" cy="461753"/>
+              <a:off x="161924" y="522845"/>
+              <a:ext cx="930559" cy="741931"/>
             </a:xfrm>
-            <a:prstGeom prst="homePlate">
+            <a:prstGeom prst="rect">
               <a:avLst/>
             </a:prstGeom>
             <a:solidFill>
-              <a:srgbClr val="00B050"/>
+              <a:srgbClr val="FF0000"/>
             </a:solidFill>
             <a:ln>
               <a:noFill/>
             </a:ln>
             <a:effectLst>
-              <a:outerShdw blurRad="44450" dist="27940" dir="5400000" algn="ctr">
+              <a:outerShdw blurRad="190500" dist="228600" dir="2700000" algn="ctr">
                 <a:srgbClr val="000000">
-                  <a:alpha val="32000"/>
+                  <a:alpha val="30000"/>
                 </a:srgbClr>
               </a:outerShdw>
             </a:effectLst>
@@ -4247,12 +3996,12 @@
               <a:camera prst="orthographicFront">
                 <a:rot lat="0" lon="0" rev="0"/>
               </a:camera>
-              <a:lightRig rig="balanced" dir="t">
-                <a:rot lat="0" lon="0" rev="8700000"/>
+              <a:lightRig rig="glow" dir="t">
+                <a:rot lat="0" lon="0" rev="4800000"/>
               </a:lightRig>
             </a:scene3d>
-            <a:sp3d>
-              <a:bevelT w="190500" h="38100"/>
+            <a:sp3d prstMaterial="matte">
+              <a:bevelT w="127000" h="63500"/>
             </a:sp3d>
           </p:spPr>
           <p:style>
@@ -4277,14 +4026,14 @@
             <a:p>
               <a:pPr algn="ctr"/>
               <a:r>
-                <a:rPr lang="en-US" b="1" dirty="0" smtClean="0">
+                <a:rPr lang="en-US" sz="1400" b="1" dirty="0" smtClean="0">
                   <a:solidFill>
                     <a:schemeClr val="tx1"/>
                   </a:solidFill>
                 </a:rPr>
-                <a:t>DAC</a:t>
+                <a:t>Source</a:t>
               </a:r>
-              <a:endParaRPr lang="en-US" b="1" dirty="0">
+              <a:endParaRPr lang="en-US" sz="1400" b="1" dirty="0">
                 <a:solidFill>
                   <a:schemeClr val="tx1"/>
                 </a:solidFill>
@@ -4294,28 +4043,28 @@
         </p:sp>
         <p:sp>
           <p:nvSpPr>
-            <p:cNvPr id="71" name="Isosceles Triangle 70"/>
+            <p:cNvPr id="47" name="Rectangle 46"/>
             <p:cNvSpPr/>
             <p:nvPr/>
           </p:nvSpPr>
           <p:spPr>
-            <a:xfrm rot="5400000">
-              <a:off x="4957356" y="4908681"/>
-              <a:ext cx="824054" cy="831877"/>
+            <a:xfrm>
+              <a:off x="1346513" y="522845"/>
+              <a:ext cx="1103530" cy="741931"/>
             </a:xfrm>
-            <a:prstGeom prst="triangle">
+            <a:prstGeom prst="rect">
               <a:avLst/>
             </a:prstGeom>
             <a:solidFill>
-              <a:srgbClr val="00B0F0"/>
+              <a:srgbClr val="00B050"/>
             </a:solidFill>
             <a:ln>
               <a:noFill/>
             </a:ln>
             <a:effectLst>
-              <a:outerShdw blurRad="44450" dist="27940" dir="5400000" algn="ctr">
+              <a:outerShdw blurRad="190500" dist="228600" dir="2700000" algn="ctr">
                 <a:srgbClr val="000000">
-                  <a:alpha val="32000"/>
+                  <a:alpha val="30000"/>
                 </a:srgbClr>
               </a:outerShdw>
             </a:effectLst>
@@ -4323,82 +4072,12 @@
               <a:camera prst="orthographicFront">
                 <a:rot lat="0" lon="0" rev="0"/>
               </a:camera>
-              <a:lightRig rig="balanced" dir="t">
-                <a:rot lat="0" lon="0" rev="8700000"/>
+              <a:lightRig rig="glow" dir="t">
+                <a:rot lat="0" lon="0" rev="4800000"/>
               </a:lightRig>
             </a:scene3d>
-            <a:sp3d>
-              <a:bevelT w="190500" h="38100"/>
-            </a:sp3d>
-          </p:spPr>
-          <p:style>
-            <a:lnRef idx="2">
-              <a:schemeClr val="accent1">
-                <a:shade val="50000"/>
-              </a:schemeClr>
-            </a:lnRef>
-            <a:fillRef idx="1">
-              <a:schemeClr val="accent1"/>
-            </a:fillRef>
-            <a:effectRef idx="0">
-              <a:schemeClr val="accent1"/>
-            </a:effectRef>
-            <a:fontRef idx="minor">
-              <a:schemeClr val="lt1"/>
-            </a:fontRef>
-          </p:style>
-          <p:txBody>
-            <a:bodyPr vert="vert270" rtlCol="0" anchor="ctr"/>
-            <a:lstStyle/>
-            <a:p>
-              <a:pPr algn="ctr"/>
-              <a:r>
-                <a:rPr lang="en-US" b="1" dirty="0" smtClean="0">
-                  <a:solidFill>
-                    <a:schemeClr val="tx1"/>
-                  </a:solidFill>
-                </a:rPr>
-                <a:t>TIA</a:t>
-              </a:r>
-              <a:endParaRPr lang="en-US" b="1" dirty="0">
-                <a:solidFill>
-                  <a:schemeClr val="tx1"/>
-                </a:solidFill>
-              </a:endParaRPr>
-            </a:p>
-          </p:txBody>
-        </p:sp>
-        <p:sp>
-          <p:nvSpPr>
-            <p:cNvPr id="74" name="Rectangle 73"/>
-            <p:cNvSpPr/>
-            <p:nvPr/>
-          </p:nvSpPr>
-          <p:spPr>
-            <a:xfrm>
-              <a:off x="2066994" y="5093743"/>
-              <a:ext cx="803305" cy="461753"/>
-            </a:xfrm>
-            <a:prstGeom prst="rect">
-              <a:avLst/>
-            </a:prstGeom>
-            <a:solidFill>
-              <a:srgbClr val="FF0000"/>
-            </a:solidFill>
-            <a:ln>
-              <a:noFill/>
-            </a:ln>
-            <a:effectLst/>
-            <a:scene3d>
-              <a:camera prst="orthographicFront">
-                <a:rot lat="0" lon="0" rev="0"/>
-              </a:camera>
-              <a:lightRig rig="contrasting" dir="t">
-                <a:rot lat="0" lon="0" rev="7800000"/>
-              </a:lightRig>
-            </a:scene3d>
-            <a:sp3d>
-              <a:bevelT w="139700" h="139700"/>
+            <a:sp3d prstMaterial="matte">
+              <a:bevelT w="127000" h="63500"/>
             </a:sp3d>
           </p:spPr>
           <p:style>
@@ -4423,14 +4102,90 @@
             <a:p>
               <a:pPr algn="ctr"/>
               <a:r>
-                <a:rPr lang="en-US" b="1" dirty="0" smtClean="0">
+                <a:rPr lang="en-US" sz="1400" b="1" dirty="0" smtClean="0">
                   <a:solidFill>
                     <a:schemeClr val="tx1"/>
                   </a:solidFill>
                 </a:rPr>
-                <a:t>DSP</a:t>
+                <a:t>MQAM Mapping</a:t>
               </a:r>
-              <a:endParaRPr lang="en-US" b="1" dirty="0">
+              <a:endParaRPr lang="en-US" sz="1400" b="1" dirty="0">
+                <a:solidFill>
+                  <a:schemeClr val="tx1"/>
+                </a:solidFill>
+              </a:endParaRPr>
+            </a:p>
+          </p:txBody>
+        </p:sp>
+        <p:sp>
+          <p:nvSpPr>
+            <p:cNvPr id="48" name="Rectangle 47"/>
+            <p:cNvSpPr/>
+            <p:nvPr/>
+          </p:nvSpPr>
+          <p:spPr>
+            <a:xfrm>
+              <a:off x="2718354" y="522845"/>
+              <a:ext cx="1541731" cy="741931"/>
+            </a:xfrm>
+            <a:prstGeom prst="rect">
+              <a:avLst/>
+            </a:prstGeom>
+            <a:solidFill>
+              <a:srgbClr val="00B0F0"/>
+            </a:solidFill>
+            <a:ln>
+              <a:noFill/>
+            </a:ln>
+            <a:effectLst>
+              <a:outerShdw blurRad="190500" dist="228600" dir="2700000" algn="ctr">
+                <a:srgbClr val="000000">
+                  <a:alpha val="30000"/>
+                </a:srgbClr>
+              </a:outerShdw>
+            </a:effectLst>
+            <a:scene3d>
+              <a:camera prst="orthographicFront">
+                <a:rot lat="0" lon="0" rev="0"/>
+              </a:camera>
+              <a:lightRig rig="glow" dir="t">
+                <a:rot lat="0" lon="0" rev="4800000"/>
+              </a:lightRig>
+            </a:scene3d>
+            <a:sp3d prstMaterial="matte">
+              <a:bevelT w="127000" h="63500"/>
+            </a:sp3d>
+          </p:spPr>
+          <p:style>
+            <a:lnRef idx="2">
+              <a:schemeClr val="accent1">
+                <a:shade val="50000"/>
+              </a:schemeClr>
+            </a:lnRef>
+            <a:fillRef idx="1">
+              <a:schemeClr val="accent1"/>
+            </a:fillRef>
+            <a:effectRef idx="0">
+              <a:schemeClr val="accent1"/>
+            </a:effectRef>
+            <a:fontRef idx="minor">
+              <a:schemeClr val="lt1"/>
+            </a:fontRef>
+          </p:style>
+          <p:txBody>
+            <a:bodyPr rtlCol="0" anchor="ctr"/>
+            <a:lstStyle/>
+            <a:p>
+              <a:pPr algn="ctr"/>
+              <a:r>
+                <a:rPr lang="en-US" sz="1400" b="1" dirty="0" smtClean="0">
+                  <a:solidFill>
+                    <a:schemeClr val="tx1"/>
+                  </a:solidFill>
+                </a:rPr>
+                <a:t>RRC &amp;                 Up-conversion</a:t>
+              </a:r>
+              <a:endParaRPr lang="en-US" sz="1400" b="1" dirty="0">
                 <a:solidFill>
                   <a:schemeClr val="tx1"/>
                 </a:solidFill>
@@ -4440,37 +4195,34 @@
         </p:sp>
         <p:cxnSp>
           <p:nvCxnSpPr>
-            <p:cNvPr id="76" name="Straight Arrow Connector 75"/>
+            <p:cNvPr id="16" name="Straight Arrow Connector 15"/>
             <p:cNvCxnSpPr>
-              <a:stCxn id="74" idx="3"/>
-              <a:endCxn id="68" idx="1"/>
+              <a:stCxn id="22" idx="3"/>
+              <a:endCxn id="47" idx="1"/>
             </p:cNvCxnSpPr>
             <p:nvPr/>
           </p:nvCxnSpPr>
           <p:spPr>
             <a:xfrm>
-              <a:off x="2870299" y="5324620"/>
-              <a:ext cx="515567" cy="0"/>
+              <a:off x="1092483" y="893811"/>
+              <a:ext cx="254030" cy="0"/>
             </a:xfrm>
             <a:prstGeom prst="straightConnector1">
               <a:avLst/>
             </a:prstGeom>
             <a:ln w="28575">
-              <a:solidFill>
-                <a:schemeClr val="tx1"/>
-              </a:solidFill>
               <a:tailEnd type="triangle"/>
             </a:ln>
           </p:spPr>
           <p:style>
             <a:lnRef idx="1">
-              <a:schemeClr val="accent1"/>
+              <a:schemeClr val="dk1"/>
             </a:lnRef>
             <a:fillRef idx="0">
-              <a:schemeClr val="accent1"/>
+              <a:schemeClr val="dk1"/>
             </a:fillRef>
             <a:effectRef idx="0">
-              <a:schemeClr val="accent1"/>
+              <a:schemeClr val="dk1"/>
             </a:effectRef>
             <a:fontRef idx="minor">
               <a:schemeClr val="tx1"/>
@@ -4479,37 +4231,146 @@
         </p:cxnSp>
         <p:cxnSp>
           <p:nvCxnSpPr>
-            <p:cNvPr id="77" name="Straight Arrow Connector 76"/>
+            <p:cNvPr id="26" name="Straight Arrow Connector 25"/>
             <p:cNvCxnSpPr>
-              <a:stCxn id="68" idx="3"/>
-              <a:endCxn id="71" idx="3"/>
+              <a:stCxn id="47" idx="3"/>
+              <a:endCxn id="48" idx="1"/>
             </p:cNvCxnSpPr>
             <p:nvPr/>
           </p:nvCxnSpPr>
           <p:spPr>
             <a:xfrm>
-              <a:off x="4437877" y="5324620"/>
-              <a:ext cx="515568" cy="0"/>
+              <a:off x="2450044" y="893811"/>
+              <a:ext cx="268310" cy="0"/>
             </a:xfrm>
             <a:prstGeom prst="straightConnector1">
               <a:avLst/>
             </a:prstGeom>
             <a:ln w="28575">
-              <a:solidFill>
-                <a:schemeClr val="tx1"/>
-              </a:solidFill>
               <a:tailEnd type="triangle"/>
             </a:ln>
           </p:spPr>
           <p:style>
             <a:lnRef idx="1">
-              <a:schemeClr val="accent1"/>
+              <a:schemeClr val="dk1"/>
             </a:lnRef>
             <a:fillRef idx="0">
+              <a:schemeClr val="dk1"/>
+            </a:fillRef>
+            <a:effectRef idx="0">
+              <a:schemeClr val="dk1"/>
+            </a:effectRef>
+            <a:fontRef idx="minor">
+              <a:schemeClr val="tx1"/>
+            </a:fontRef>
+          </p:style>
+        </p:cxnSp>
+        <p:sp>
+          <p:nvSpPr>
+            <p:cNvPr id="66" name="Rectangle 65"/>
+            <p:cNvSpPr/>
+            <p:nvPr/>
+          </p:nvSpPr>
+          <p:spPr>
+            <a:xfrm>
+              <a:off x="2937455" y="2365227"/>
+              <a:ext cx="1103530" cy="741931"/>
+            </a:xfrm>
+            <a:prstGeom prst="rect">
+              <a:avLst/>
+            </a:prstGeom>
+            <a:solidFill>
+              <a:srgbClr val="00B050"/>
+            </a:solidFill>
+            <a:ln>
+              <a:noFill/>
+            </a:ln>
+            <a:effectLst>
+              <a:outerShdw blurRad="190500" dist="228600" dir="2700000" algn="ctr">
+                <a:srgbClr val="000000">
+                  <a:alpha val="30000"/>
+                </a:srgbClr>
+              </a:outerShdw>
+            </a:effectLst>
+            <a:scene3d>
+              <a:camera prst="orthographicFront">
+                <a:rot lat="0" lon="0" rev="0"/>
+              </a:camera>
+              <a:lightRig rig="glow" dir="t">
+                <a:rot lat="0" lon="0" rev="4800000"/>
+              </a:lightRig>
+            </a:scene3d>
+            <a:sp3d prstMaterial="matte">
+              <a:bevelT w="127000" h="63500"/>
+            </a:sp3d>
+          </p:spPr>
+          <p:style>
+            <a:lnRef idx="2">
+              <a:schemeClr val="accent1">
+                <a:shade val="50000"/>
+              </a:schemeClr>
+            </a:lnRef>
+            <a:fillRef idx="1">
               <a:schemeClr val="accent1"/>
             </a:fillRef>
             <a:effectRef idx="0">
               <a:schemeClr val="accent1"/>
+            </a:effectRef>
+            <a:fontRef idx="minor">
+              <a:schemeClr val="lt1"/>
+            </a:fontRef>
+          </p:style>
+          <p:txBody>
+            <a:bodyPr rtlCol="0" anchor="ctr"/>
+            <a:lstStyle/>
+            <a:p>
+              <a:pPr algn="ctr"/>
+              <a:r>
+                <a:rPr lang="en-US" sz="1400" b="1" dirty="0" smtClean="0">
+                  <a:solidFill>
+                    <a:schemeClr val="tx1"/>
+                  </a:solidFill>
+                </a:rPr>
+                <a:t>Hilbert Transform</a:t>
+              </a:r>
+              <a:endParaRPr lang="en-US" sz="1400" b="1" dirty="0">
+                <a:solidFill>
+                  <a:schemeClr val="tx1"/>
+                </a:solidFill>
+              </a:endParaRPr>
+            </a:p>
+          </p:txBody>
+        </p:sp>
+        <p:cxnSp>
+          <p:nvCxnSpPr>
+            <p:cNvPr id="44" name="Straight Arrow Connector 43"/>
+            <p:cNvCxnSpPr>
+              <a:stCxn id="48" idx="2"/>
+              <a:endCxn id="66" idx="0"/>
+            </p:cNvCxnSpPr>
+            <p:nvPr/>
+          </p:nvCxnSpPr>
+          <p:spPr>
+            <a:xfrm>
+              <a:off x="3489220" y="1264776"/>
+              <a:ext cx="0" cy="1100451"/>
+            </a:xfrm>
+            <a:prstGeom prst="straightConnector1">
+              <a:avLst/>
+            </a:prstGeom>
+            <a:ln w="28575">
+              <a:tailEnd type="triangle"/>
+            </a:ln>
+          </p:spPr>
+          <p:style>
+            <a:lnRef idx="1">
+              <a:schemeClr val="dk1"/>
+            </a:lnRef>
+            <a:fillRef idx="0">
+              <a:schemeClr val="dk1"/>
+            </a:fillRef>
+            <a:effectRef idx="0">
+              <a:schemeClr val="dk1"/>
             </a:effectRef>
             <a:fontRef idx="minor">
               <a:schemeClr val="tx1"/>
@@ -4519,21 +4380,56 @@
       </p:grpSp>
       <p:cxnSp>
         <p:nvCxnSpPr>
-          <p:cNvPr id="39" name="Elbow Connector 38"/>
+          <p:cNvPr id="59" name="Straight Connector 58"/>
           <p:cNvCxnSpPr>
-            <a:stCxn id="71" idx="0"/>
+            <a:stCxn id="66" idx="2"/>
           </p:cNvCxnSpPr>
           <p:nvPr/>
         </p:nvCxnSpPr>
         <p:spPr>
-          <a:xfrm flipV="1">
-            <a:off x="5785323" y="4469606"/>
-            <a:ext cx="384496" cy="1102732"/>
+          <a:xfrm flipH="1">
+            <a:off x="3483912" y="3107158"/>
+            <a:ext cx="5308" cy="2267057"/>
           </a:xfrm>
-          <a:prstGeom prst="bentConnector2">
+          <a:prstGeom prst="line">
             <a:avLst/>
           </a:prstGeom>
           <a:ln w="28575"/>
+        </p:spPr>
+        <p:style>
+          <a:lnRef idx="1">
+            <a:schemeClr val="dk1"/>
+          </a:lnRef>
+          <a:fillRef idx="0">
+            <a:schemeClr val="dk1"/>
+          </a:fillRef>
+          <a:effectRef idx="0">
+            <a:schemeClr val="dk1"/>
+          </a:effectRef>
+          <a:fontRef idx="minor">
+            <a:schemeClr val="tx1"/>
+          </a:fontRef>
+        </p:style>
+      </p:cxnSp>
+      <p:cxnSp>
+        <p:nvCxnSpPr>
+          <p:cNvPr id="61" name="Elbow Connector 60"/>
+          <p:cNvCxnSpPr/>
+          <p:nvPr/>
+        </p:nvCxnSpPr>
+        <p:spPr>
+          <a:xfrm flipV="1">
+            <a:off x="3486564" y="4724736"/>
+            <a:ext cx="5019026" cy="649479"/>
+          </a:xfrm>
+          <a:prstGeom prst="bentConnector3">
+            <a:avLst>
+              <a:gd name="adj1" fmla="val 99889"/>
+            </a:avLst>
+          </a:prstGeom>
+          <a:ln w="28575">
+            <a:tailEnd type="triangle"/>
+          </a:ln>
         </p:spPr>
         <p:style>
           <a:lnRef idx="1">

--- a/doc/tex/sdf/simplified_coherent_receiver/figures/Single_Polarization_Tx.pptx
+++ b/doc/tex/sdf/simplified_coherent_receiver/figures/Single_Polarization_Tx.pptx
@@ -243,7 +243,7 @@
           <a:p>
             <a:fld id="{BBEA5209-9876-4E05-9D10-09D3A401A5DA}" type="datetimeFigureOut">
               <a:rPr lang="en-US" smtClean="0"/>
-              <a:t>9/13/2017</a:t>
+              <a:t>10/9/2017</a:t>
             </a:fld>
             <a:endParaRPr lang="en-US"/>
           </a:p>
@@ -413,7 +413,7 @@
           <a:p>
             <a:fld id="{BBEA5209-9876-4E05-9D10-09D3A401A5DA}" type="datetimeFigureOut">
               <a:rPr lang="en-US" smtClean="0"/>
-              <a:t>9/13/2017</a:t>
+              <a:t>10/9/2017</a:t>
             </a:fld>
             <a:endParaRPr lang="en-US"/>
           </a:p>
@@ -593,7 +593,7 @@
           <a:p>
             <a:fld id="{BBEA5209-9876-4E05-9D10-09D3A401A5DA}" type="datetimeFigureOut">
               <a:rPr lang="en-US" smtClean="0"/>
-              <a:t>9/13/2017</a:t>
+              <a:t>10/9/2017</a:t>
             </a:fld>
             <a:endParaRPr lang="en-US"/>
           </a:p>
@@ -763,7 +763,7 @@
           <a:p>
             <a:fld id="{BBEA5209-9876-4E05-9D10-09D3A401A5DA}" type="datetimeFigureOut">
               <a:rPr lang="en-US" smtClean="0"/>
-              <a:t>9/13/2017</a:t>
+              <a:t>10/9/2017</a:t>
             </a:fld>
             <a:endParaRPr lang="en-US"/>
           </a:p>
@@ -1009,7 +1009,7 @@
           <a:p>
             <a:fld id="{BBEA5209-9876-4E05-9D10-09D3A401A5DA}" type="datetimeFigureOut">
               <a:rPr lang="en-US" smtClean="0"/>
-              <a:t>9/13/2017</a:t>
+              <a:t>10/9/2017</a:t>
             </a:fld>
             <a:endParaRPr lang="en-US"/>
           </a:p>
@@ -1241,7 +1241,7 @@
           <a:p>
             <a:fld id="{BBEA5209-9876-4E05-9D10-09D3A401A5DA}" type="datetimeFigureOut">
               <a:rPr lang="en-US" smtClean="0"/>
-              <a:t>9/13/2017</a:t>
+              <a:t>10/9/2017</a:t>
             </a:fld>
             <a:endParaRPr lang="en-US"/>
           </a:p>
@@ -1608,7 +1608,7 @@
           <a:p>
             <a:fld id="{BBEA5209-9876-4E05-9D10-09D3A401A5DA}" type="datetimeFigureOut">
               <a:rPr lang="en-US" smtClean="0"/>
-              <a:t>9/13/2017</a:t>
+              <a:t>10/9/2017</a:t>
             </a:fld>
             <a:endParaRPr lang="en-US"/>
           </a:p>
@@ -1726,7 +1726,7 @@
           <a:p>
             <a:fld id="{BBEA5209-9876-4E05-9D10-09D3A401A5DA}" type="datetimeFigureOut">
               <a:rPr lang="en-US" smtClean="0"/>
-              <a:t>9/13/2017</a:t>
+              <a:t>10/9/2017</a:t>
             </a:fld>
             <a:endParaRPr lang="en-US"/>
           </a:p>
@@ -1821,7 +1821,7 @@
           <a:p>
             <a:fld id="{BBEA5209-9876-4E05-9D10-09D3A401A5DA}" type="datetimeFigureOut">
               <a:rPr lang="en-US" smtClean="0"/>
-              <a:t>9/13/2017</a:t>
+              <a:t>10/9/2017</a:t>
             </a:fld>
             <a:endParaRPr lang="en-US"/>
           </a:p>
@@ -2098,7 +2098,7 @@
           <a:p>
             <a:fld id="{BBEA5209-9876-4E05-9D10-09D3A401A5DA}" type="datetimeFigureOut">
               <a:rPr lang="en-US" smtClean="0"/>
-              <a:t>9/13/2017</a:t>
+              <a:t>10/9/2017</a:t>
             </a:fld>
             <a:endParaRPr lang="en-US"/>
           </a:p>
@@ -2351,7 +2351,7 @@
           <a:p>
             <a:fld id="{BBEA5209-9876-4E05-9D10-09D3A401A5DA}" type="datetimeFigureOut">
               <a:rPr lang="en-US" smtClean="0"/>
-              <a:t>9/13/2017</a:t>
+              <a:t>10/9/2017</a:t>
             </a:fld>
             <a:endParaRPr lang="en-US"/>
           </a:p>
@@ -2564,7 +2564,7 @@
           <a:p>
             <a:fld id="{BBEA5209-9876-4E05-9D10-09D3A401A5DA}" type="datetimeFigureOut">
               <a:rPr lang="en-US" smtClean="0"/>
-              <a:t>9/13/2017</a:t>
+              <a:t>10/9/2017</a:t>
             </a:fld>
             <a:endParaRPr lang="en-US"/>
           </a:p>
@@ -2977,342 +2977,666 @@
           <a:chExt cx="0" cy="0"/>
         </a:xfrm>
       </p:grpSpPr>
-      <p:sp>
-        <p:nvSpPr>
-          <p:cNvPr id="78" name="Rectangle 77"/>
-          <p:cNvSpPr/>
-          <p:nvPr/>
-        </p:nvSpPr>
-        <p:spPr>
-          <a:xfrm>
-            <a:off x="73555" y="267051"/>
-            <a:ext cx="4752975" cy="2980974"/>
-          </a:xfrm>
-          <a:prstGeom prst="rect">
-            <a:avLst/>
-          </a:prstGeom>
-          <a:solidFill>
-            <a:schemeClr val="lt1">
-              <a:alpha val="0"/>
-            </a:schemeClr>
-          </a:solidFill>
-          <a:ln w="28575">
-            <a:solidFill>
-              <a:schemeClr val="dk1"/>
-            </a:solidFill>
-            <a:prstDash val="sysDash"/>
-          </a:ln>
-        </p:spPr>
-        <p:style>
-          <a:lnRef idx="2">
-            <a:schemeClr val="dk1"/>
-          </a:lnRef>
-          <a:fillRef idx="1">
-            <a:schemeClr val="lt1"/>
-          </a:fillRef>
-          <a:effectRef idx="0">
-            <a:schemeClr val="dk1"/>
-          </a:effectRef>
-          <a:fontRef idx="minor">
-            <a:schemeClr val="dk1"/>
-          </a:fontRef>
-        </p:style>
-        <p:txBody>
-          <a:bodyPr rtlCol="0" anchor="ctr"/>
-          <a:lstStyle/>
-          <a:p>
-            <a:pPr algn="ctr"/>
-            <a:endParaRPr lang="en-US"/>
-          </a:p>
-        </p:txBody>
-      </p:sp>
       <p:grpSp>
         <p:nvGrpSpPr>
-          <p:cNvPr id="2" name="Group 1"/>
+          <p:cNvPr id="3" name="Group 2"/>
           <p:cNvGrpSpPr/>
           <p:nvPr/>
         </p:nvGrpSpPr>
         <p:grpSpPr>
           <a:xfrm>
-            <a:off x="4933444" y="3298475"/>
-            <a:ext cx="7227017" cy="1606900"/>
-            <a:chOff x="645772" y="1807898"/>
-            <a:chExt cx="11603315" cy="2192366"/>
+            <a:off x="105094" y="694341"/>
+            <a:ext cx="12086906" cy="5107164"/>
+            <a:chOff x="73555" y="267051"/>
+            <a:chExt cx="12086906" cy="5107164"/>
           </a:xfrm>
         </p:grpSpPr>
-        <p:pic>
-          <p:nvPicPr>
-            <p:cNvPr id="4" name="Picture 3"/>
-            <p:cNvPicPr>
-              <a:picLocks noChangeAspect="1"/>
-            </p:cNvPicPr>
+        <p:sp>
+          <p:nvSpPr>
+            <p:cNvPr id="78" name="Rectangle 77"/>
+            <p:cNvSpPr/>
             <p:nvPr/>
-          </p:nvPicPr>
-          <p:blipFill>
-            <a:blip r:embed="rId2" cstate="print">
-              <a:extLst>
-                <a:ext uri="{28A0092B-C50C-407E-A947-70E740481C1C}">
-                  <a14:useLocalDpi xmlns:a14="http://schemas.microsoft.com/office/drawing/2010/main" val="0"/>
-                </a:ext>
-              </a:extLst>
-            </a:blip>
-            <a:stretch>
-              <a:fillRect/>
-            </a:stretch>
-          </p:blipFill>
+          </p:nvSpPr>
           <p:spPr>
             <a:xfrm>
-              <a:off x="645772" y="2454229"/>
-              <a:ext cx="1303221" cy="973612"/>
+              <a:off x="73555" y="267051"/>
+              <a:ext cx="4752975" cy="2980974"/>
             </a:xfrm>
             <a:prstGeom prst="rect">
               <a:avLst/>
             </a:prstGeom>
-          </p:spPr>
-        </p:pic>
-        <p:pic>
-          <p:nvPicPr>
-            <p:cNvPr id="9" name="Picture 8"/>
-            <p:cNvPicPr>
-              <a:picLocks noChangeAspect="1"/>
-            </p:cNvPicPr>
-            <p:nvPr/>
-          </p:nvPicPr>
-          <p:blipFill>
-            <a:blip r:embed="rId3" cstate="print">
-              <a:extLst>
-                <a:ext uri="{28A0092B-C50C-407E-A947-70E740481C1C}">
-                  <a14:useLocalDpi xmlns:a14="http://schemas.microsoft.com/office/drawing/2010/main" val="0"/>
-                </a:ext>
-              </a:extLst>
-            </a:blip>
-            <a:stretch>
-              <a:fillRect/>
-            </a:stretch>
-          </p:blipFill>
-          <p:spPr>
-            <a:xfrm flipH="1">
-              <a:off x="2554211" y="2703852"/>
-              <a:ext cx="991312" cy="474365"/>
-            </a:xfrm>
-            <a:prstGeom prst="rect">
-              <a:avLst/>
-            </a:prstGeom>
-          </p:spPr>
-        </p:pic>
-        <p:cxnSp>
-          <p:nvCxnSpPr>
-            <p:cNvPr id="15" name="Straight Connector 14"/>
-            <p:cNvCxnSpPr>
-              <a:stCxn id="4" idx="3"/>
-              <a:endCxn id="9" idx="3"/>
-            </p:cNvCxnSpPr>
-            <p:nvPr/>
-          </p:nvCxnSpPr>
-          <p:spPr>
-            <a:xfrm>
-              <a:off x="1948993" y="2941035"/>
-              <a:ext cx="605218" cy="0"/>
-            </a:xfrm>
-            <a:prstGeom prst="line">
-              <a:avLst/>
-            </a:prstGeom>
-            <a:ln>
+            <a:solidFill>
+              <a:schemeClr val="lt1">
+                <a:alpha val="0"/>
+              </a:schemeClr>
+            </a:solidFill>
+            <a:ln w="28575">
               <a:solidFill>
-                <a:srgbClr val="FF0000"/>
+                <a:schemeClr val="dk1"/>
               </a:solidFill>
+              <a:prstDash val="sysDash"/>
             </a:ln>
           </p:spPr>
           <p:style>
-            <a:lnRef idx="3">
-              <a:schemeClr val="accent2"/>
+            <a:lnRef idx="2">
+              <a:schemeClr val="dk1"/>
             </a:lnRef>
-            <a:fillRef idx="0">
-              <a:schemeClr val="accent2"/>
+            <a:fillRef idx="1">
+              <a:schemeClr val="lt1"/>
             </a:fillRef>
-            <a:effectRef idx="2">
-              <a:schemeClr val="accent2"/>
+            <a:effectRef idx="0">
+              <a:schemeClr val="dk1"/>
             </a:effectRef>
             <a:fontRef idx="minor">
-              <a:schemeClr val="tx1"/>
+              <a:schemeClr val="dk1"/>
             </a:fontRef>
           </p:style>
-        </p:cxnSp>
-        <p:sp>
-          <p:nvSpPr>
-            <p:cNvPr id="18" name="TextBox 17"/>
-            <p:cNvSpPr txBox="1"/>
-            <p:nvPr/>
-          </p:nvSpPr>
-          <p:spPr>
-            <a:xfrm>
-              <a:off x="777728" y="2027804"/>
-              <a:ext cx="1043312" cy="425038"/>
-            </a:xfrm>
-            <a:prstGeom prst="rect">
-              <a:avLst/>
-            </a:prstGeom>
-            <a:noFill/>
-          </p:spPr>
           <p:txBody>
-            <a:bodyPr wrap="none" rtlCol="0">
-              <a:spAutoFit/>
-            </a:bodyPr>
+            <a:bodyPr rtlCol="0" anchor="ctr"/>
             <a:lstStyle/>
             <a:p>
-              <a:r>
-                <a:rPr lang="en-US" sz="1400" dirty="0" smtClean="0"/>
-                <a:t>LASER</a:t>
-              </a:r>
-              <a:endParaRPr lang="en-US" sz="1400" dirty="0"/>
+              <a:pPr algn="ctr"/>
+              <a:endParaRPr lang="en-US"/>
             </a:p>
           </p:txBody>
         </p:sp>
-        <p:sp>
-          <p:nvSpPr>
-            <p:cNvPr id="70" name="TextBox 69"/>
-            <p:cNvSpPr txBox="1"/>
-            <p:nvPr/>
-          </p:nvSpPr>
-          <p:spPr>
-            <a:xfrm>
-              <a:off x="2450921" y="2202899"/>
-              <a:ext cx="1217674" cy="425038"/>
-            </a:xfrm>
-            <a:prstGeom prst="rect">
-              <a:avLst/>
-            </a:prstGeom>
-            <a:noFill/>
-          </p:spPr>
-          <p:txBody>
-            <a:bodyPr wrap="none" rtlCol="0">
-              <a:spAutoFit/>
-            </a:bodyPr>
-            <a:lstStyle/>
-            <a:p>
-              <a:r>
-                <a:rPr lang="en-US" sz="1400" dirty="0" smtClean="0"/>
-                <a:t>Isolator</a:t>
-              </a:r>
-              <a:endParaRPr lang="en-US" sz="1400" dirty="0"/>
-            </a:p>
-          </p:txBody>
-        </p:sp>
-        <p:cxnSp>
-          <p:nvCxnSpPr>
-            <p:cNvPr id="72" name="Straight Connector 71"/>
-            <p:cNvCxnSpPr>
-              <a:stCxn id="9" idx="1"/>
-            </p:cNvCxnSpPr>
-            <p:nvPr/>
-          </p:nvCxnSpPr>
-          <p:spPr>
-            <a:xfrm flipV="1">
-              <a:off x="3545523" y="2941034"/>
-              <a:ext cx="710282" cy="1"/>
-            </a:xfrm>
-            <a:prstGeom prst="line">
-              <a:avLst/>
-            </a:prstGeom>
-            <a:ln>
-              <a:solidFill>
-                <a:srgbClr val="FF0000"/>
-              </a:solidFill>
-            </a:ln>
-          </p:spPr>
-          <p:style>
-            <a:lnRef idx="3">
-              <a:schemeClr val="accent2"/>
-            </a:lnRef>
-            <a:fillRef idx="0">
-              <a:schemeClr val="accent2"/>
-            </a:fillRef>
-            <a:effectRef idx="2">
-              <a:schemeClr val="accent2"/>
-            </a:effectRef>
-            <a:fontRef idx="minor">
-              <a:schemeClr val="tx1"/>
-            </a:fontRef>
-          </p:style>
-        </p:cxnSp>
-        <p:cxnSp>
-          <p:nvCxnSpPr>
-            <p:cNvPr id="79" name="Straight Connector 78"/>
-            <p:cNvCxnSpPr/>
-            <p:nvPr/>
-          </p:nvCxnSpPr>
-          <p:spPr>
-            <a:xfrm flipV="1">
-              <a:off x="4859061" y="2941031"/>
-              <a:ext cx="605218" cy="1"/>
-            </a:xfrm>
-            <a:prstGeom prst="line">
-              <a:avLst/>
-            </a:prstGeom>
-            <a:ln>
-              <a:solidFill>
-                <a:srgbClr val="FF0000"/>
-              </a:solidFill>
-            </a:ln>
-          </p:spPr>
-          <p:style>
-            <a:lnRef idx="3">
-              <a:schemeClr val="accent2"/>
-            </a:lnRef>
-            <a:fillRef idx="0">
-              <a:schemeClr val="accent2"/>
-            </a:fillRef>
-            <a:effectRef idx="2">
-              <a:schemeClr val="accent2"/>
-            </a:effectRef>
-            <a:fontRef idx="minor">
-              <a:schemeClr val="tx1"/>
-            </a:fontRef>
-          </p:style>
-        </p:cxnSp>
         <p:grpSp>
           <p:nvGrpSpPr>
-            <p:cNvPr id="38" name="Group 37"/>
+            <p:cNvPr id="2" name="Group 1"/>
             <p:cNvGrpSpPr/>
             <p:nvPr/>
           </p:nvGrpSpPr>
           <p:grpSpPr>
             <a:xfrm>
-              <a:off x="4253842" y="2743155"/>
-              <a:ext cx="605218" cy="197878"/>
-              <a:chOff x="1497854" y="5388767"/>
-              <a:chExt cx="605218" cy="197878"/>
+              <a:off x="4933444" y="3298475"/>
+              <a:ext cx="7227017" cy="1606900"/>
+              <a:chOff x="645772" y="1807898"/>
+              <a:chExt cx="11603315" cy="2192366"/>
             </a:xfrm>
           </p:grpSpPr>
+          <p:pic>
+            <p:nvPicPr>
+              <p:cNvPr id="4" name="Picture 3"/>
+              <p:cNvPicPr>
+                <a:picLocks noChangeAspect="1"/>
+              </p:cNvPicPr>
+              <p:nvPr/>
+            </p:nvPicPr>
+            <p:blipFill>
+              <a:blip r:embed="rId2" cstate="print">
+                <a:extLst>
+                  <a:ext uri="{28A0092B-C50C-407E-A947-70E740481C1C}">
+                    <a14:useLocalDpi xmlns:a14="http://schemas.microsoft.com/office/drawing/2010/main" val="0"/>
+                  </a:ext>
+                </a:extLst>
+              </a:blip>
+              <a:stretch>
+                <a:fillRect/>
+              </a:stretch>
+            </p:blipFill>
+            <p:spPr>
+              <a:xfrm>
+                <a:off x="645772" y="2454229"/>
+                <a:ext cx="1303221" cy="973612"/>
+              </a:xfrm>
+              <a:prstGeom prst="rect">
+                <a:avLst/>
+              </a:prstGeom>
+            </p:spPr>
+          </p:pic>
+          <p:pic>
+            <p:nvPicPr>
+              <p:cNvPr id="9" name="Picture 8"/>
+              <p:cNvPicPr>
+                <a:picLocks noChangeAspect="1"/>
+              </p:cNvPicPr>
+              <p:nvPr/>
+            </p:nvPicPr>
+            <p:blipFill>
+              <a:blip r:embed="rId3" cstate="print">
+                <a:extLst>
+                  <a:ext uri="{28A0092B-C50C-407E-A947-70E740481C1C}">
+                    <a14:useLocalDpi xmlns:a14="http://schemas.microsoft.com/office/drawing/2010/main" val="0"/>
+                  </a:ext>
+                </a:extLst>
+              </a:blip>
+              <a:stretch>
+                <a:fillRect/>
+              </a:stretch>
+            </p:blipFill>
+            <p:spPr>
+              <a:xfrm flipH="1">
+                <a:off x="2554211" y="2703852"/>
+                <a:ext cx="991312" cy="474365"/>
+              </a:xfrm>
+              <a:prstGeom prst="rect">
+                <a:avLst/>
+              </a:prstGeom>
+            </p:spPr>
+          </p:pic>
+          <p:cxnSp>
+            <p:nvCxnSpPr>
+              <p:cNvPr id="15" name="Straight Connector 14"/>
+              <p:cNvCxnSpPr>
+                <a:stCxn id="4" idx="3"/>
+                <a:endCxn id="9" idx="3"/>
+              </p:cNvCxnSpPr>
+              <p:nvPr/>
+            </p:nvCxnSpPr>
+            <p:spPr>
+              <a:xfrm>
+                <a:off x="1948993" y="2941035"/>
+                <a:ext cx="605218" cy="0"/>
+              </a:xfrm>
+              <a:prstGeom prst="line">
+                <a:avLst/>
+              </a:prstGeom>
+              <a:ln>
+                <a:solidFill>
+                  <a:srgbClr val="FF0000"/>
+                </a:solidFill>
+              </a:ln>
+            </p:spPr>
+            <p:style>
+              <a:lnRef idx="3">
+                <a:schemeClr val="accent2"/>
+              </a:lnRef>
+              <a:fillRef idx="0">
+                <a:schemeClr val="accent2"/>
+              </a:fillRef>
+              <a:effectRef idx="2">
+                <a:schemeClr val="accent2"/>
+              </a:effectRef>
+              <a:fontRef idx="minor">
+                <a:schemeClr val="tx1"/>
+              </a:fontRef>
+            </p:style>
+          </p:cxnSp>
+          <p:sp>
+            <p:nvSpPr>
+              <p:cNvPr id="18" name="TextBox 17"/>
+              <p:cNvSpPr txBox="1"/>
+              <p:nvPr/>
+            </p:nvSpPr>
+            <p:spPr>
+              <a:xfrm>
+                <a:off x="777728" y="2027804"/>
+                <a:ext cx="1043312" cy="425038"/>
+              </a:xfrm>
+              <a:prstGeom prst="rect">
+                <a:avLst/>
+              </a:prstGeom>
+              <a:noFill/>
+            </p:spPr>
+            <p:txBody>
+              <a:bodyPr wrap="none" rtlCol="0">
+                <a:spAutoFit/>
+              </a:bodyPr>
+              <a:lstStyle/>
+              <a:p>
+                <a:r>
+                  <a:rPr lang="en-US" sz="1400" dirty="0" smtClean="0"/>
+                  <a:t>LASER</a:t>
+                </a:r>
+                <a:endParaRPr lang="en-US" sz="1400" dirty="0"/>
+              </a:p>
+            </p:txBody>
+          </p:sp>
+          <p:sp>
+            <p:nvSpPr>
+              <p:cNvPr id="70" name="TextBox 69"/>
+              <p:cNvSpPr txBox="1"/>
+              <p:nvPr/>
+            </p:nvSpPr>
+            <p:spPr>
+              <a:xfrm>
+                <a:off x="2450921" y="2202899"/>
+                <a:ext cx="1217674" cy="425038"/>
+              </a:xfrm>
+              <a:prstGeom prst="rect">
+                <a:avLst/>
+              </a:prstGeom>
+              <a:noFill/>
+            </p:spPr>
+            <p:txBody>
+              <a:bodyPr wrap="none" rtlCol="0">
+                <a:spAutoFit/>
+              </a:bodyPr>
+              <a:lstStyle/>
+              <a:p>
+                <a:r>
+                  <a:rPr lang="en-US" sz="1400" dirty="0" smtClean="0"/>
+                  <a:t>Isolator</a:t>
+                </a:r>
+                <a:endParaRPr lang="en-US" sz="1400" dirty="0"/>
+              </a:p>
+            </p:txBody>
+          </p:sp>
+          <p:cxnSp>
+            <p:nvCxnSpPr>
+              <p:cNvPr id="72" name="Straight Connector 71"/>
+              <p:cNvCxnSpPr>
+                <a:stCxn id="9" idx="1"/>
+              </p:cNvCxnSpPr>
+              <p:nvPr/>
+            </p:nvCxnSpPr>
+            <p:spPr>
+              <a:xfrm flipV="1">
+                <a:off x="3545523" y="2941034"/>
+                <a:ext cx="710282" cy="1"/>
+              </a:xfrm>
+              <a:prstGeom prst="line">
+                <a:avLst/>
+              </a:prstGeom>
+              <a:ln>
+                <a:solidFill>
+                  <a:srgbClr val="FF0000"/>
+                </a:solidFill>
+              </a:ln>
+            </p:spPr>
+            <p:style>
+              <a:lnRef idx="3">
+                <a:schemeClr val="accent2"/>
+              </a:lnRef>
+              <a:fillRef idx="0">
+                <a:schemeClr val="accent2"/>
+              </a:fillRef>
+              <a:effectRef idx="2">
+                <a:schemeClr val="accent2"/>
+              </a:effectRef>
+              <a:fontRef idx="minor">
+                <a:schemeClr val="tx1"/>
+              </a:fontRef>
+            </p:style>
+          </p:cxnSp>
+          <p:cxnSp>
+            <p:nvCxnSpPr>
+              <p:cNvPr id="79" name="Straight Connector 78"/>
+              <p:cNvCxnSpPr/>
+              <p:nvPr/>
+            </p:nvCxnSpPr>
+            <p:spPr>
+              <a:xfrm flipV="1">
+                <a:off x="4859061" y="2941031"/>
+                <a:ext cx="605218" cy="1"/>
+              </a:xfrm>
+              <a:prstGeom prst="line">
+                <a:avLst/>
+              </a:prstGeom>
+              <a:ln>
+                <a:solidFill>
+                  <a:srgbClr val="FF0000"/>
+                </a:solidFill>
+              </a:ln>
+            </p:spPr>
+            <p:style>
+              <a:lnRef idx="3">
+                <a:schemeClr val="accent2"/>
+              </a:lnRef>
+              <a:fillRef idx="0">
+                <a:schemeClr val="accent2"/>
+              </a:fillRef>
+              <a:effectRef idx="2">
+                <a:schemeClr val="accent2"/>
+              </a:effectRef>
+              <a:fontRef idx="minor">
+                <a:schemeClr val="tx1"/>
+              </a:fontRef>
+            </p:style>
+          </p:cxnSp>
           <p:grpSp>
             <p:nvGrpSpPr>
-              <p:cNvPr id="13" name="Group 12"/>
+              <p:cNvPr id="38" name="Group 37"/>
               <p:cNvGrpSpPr/>
               <p:nvPr/>
             </p:nvGrpSpPr>
             <p:grpSpPr>
               <a:xfrm>
-                <a:off x="1523412" y="5388767"/>
-                <a:ext cx="552482" cy="180947"/>
-                <a:chOff x="3627999" y="2101158"/>
-                <a:chExt cx="552482" cy="180947"/>
+                <a:off x="4253842" y="2743155"/>
+                <a:ext cx="605218" cy="197878"/>
+                <a:chOff x="1497854" y="5388767"/>
+                <a:chExt cx="605218" cy="197878"/>
+              </a:xfrm>
+            </p:grpSpPr>
+            <p:grpSp>
+              <p:nvGrpSpPr>
+                <p:cNvPr id="13" name="Group 12"/>
+                <p:cNvGrpSpPr/>
+                <p:nvPr/>
+              </p:nvGrpSpPr>
+              <p:grpSpPr>
+                <a:xfrm>
+                  <a:off x="1523412" y="5388767"/>
+                  <a:ext cx="552482" cy="180947"/>
+                  <a:chOff x="3627999" y="2101158"/>
+                  <a:chExt cx="552482" cy="180947"/>
+                </a:xfrm>
+              </p:grpSpPr>
+              <p:sp>
+                <p:nvSpPr>
+                  <p:cNvPr id="56" name="Oval 55"/>
+                  <p:cNvSpPr/>
+                  <p:nvPr/>
+                </p:nvSpPr>
+                <p:spPr>
+                  <a:xfrm>
+                    <a:off x="3627999" y="2105659"/>
+                    <a:ext cx="178585" cy="176446"/>
+                  </a:xfrm>
+                  <a:prstGeom prst="ellipse">
+                    <a:avLst/>
+                  </a:prstGeom>
+                  <a:ln w="28575"/>
+                </p:spPr>
+                <p:style>
+                  <a:lnRef idx="2">
+                    <a:schemeClr val="dk1"/>
+                  </a:lnRef>
+                  <a:fillRef idx="1">
+                    <a:schemeClr val="lt1"/>
+                  </a:fillRef>
+                  <a:effectRef idx="0">
+                    <a:schemeClr val="dk1"/>
+                  </a:effectRef>
+                  <a:fontRef idx="minor">
+                    <a:schemeClr val="dk1"/>
+                  </a:fontRef>
+                </p:style>
+                <p:txBody>
+                  <a:bodyPr rtlCol="0" anchor="ctr"/>
+                  <a:lstStyle/>
+                  <a:p>
+                    <a:pPr algn="ctr"/>
+                    <a:endParaRPr lang="en-US"/>
+                  </a:p>
+                </p:txBody>
+              </p:sp>
+              <p:sp>
+                <p:nvSpPr>
+                  <p:cNvPr id="57" name="Oval 56"/>
+                  <p:cNvSpPr/>
+                  <p:nvPr/>
+                </p:nvSpPr>
+                <p:spPr>
+                  <a:xfrm>
+                    <a:off x="3815759" y="2105659"/>
+                    <a:ext cx="178585" cy="176446"/>
+                  </a:xfrm>
+                  <a:prstGeom prst="ellipse">
+                    <a:avLst/>
+                  </a:prstGeom>
+                  <a:ln w="28575"/>
+                </p:spPr>
+                <p:style>
+                  <a:lnRef idx="2">
+                    <a:schemeClr val="dk1"/>
+                  </a:lnRef>
+                  <a:fillRef idx="1">
+                    <a:schemeClr val="lt1"/>
+                  </a:fillRef>
+                  <a:effectRef idx="0">
+                    <a:schemeClr val="dk1"/>
+                  </a:effectRef>
+                  <a:fontRef idx="minor">
+                    <a:schemeClr val="dk1"/>
+                  </a:fontRef>
+                </p:style>
+                <p:txBody>
+                  <a:bodyPr rtlCol="0" anchor="ctr"/>
+                  <a:lstStyle/>
+                  <a:p>
+                    <a:pPr algn="ctr"/>
+                    <a:endParaRPr lang="en-US"/>
+                  </a:p>
+                </p:txBody>
+              </p:sp>
+              <p:sp>
+                <p:nvSpPr>
+                  <p:cNvPr id="58" name="Oval 57"/>
+                  <p:cNvSpPr/>
+                  <p:nvPr/>
+                </p:nvSpPr>
+                <p:spPr>
+                  <a:xfrm>
+                    <a:off x="4001896" y="2101158"/>
+                    <a:ext cx="178585" cy="176446"/>
+                  </a:xfrm>
+                  <a:prstGeom prst="ellipse">
+                    <a:avLst/>
+                  </a:prstGeom>
+                  <a:ln w="28575"/>
+                </p:spPr>
+                <p:style>
+                  <a:lnRef idx="2">
+                    <a:schemeClr val="dk1"/>
+                  </a:lnRef>
+                  <a:fillRef idx="1">
+                    <a:schemeClr val="lt1"/>
+                  </a:fillRef>
+                  <a:effectRef idx="0">
+                    <a:schemeClr val="dk1"/>
+                  </a:effectRef>
+                  <a:fontRef idx="minor">
+                    <a:schemeClr val="dk1"/>
+                  </a:fontRef>
+                </p:style>
+                <p:txBody>
+                  <a:bodyPr rtlCol="0" anchor="ctr"/>
+                  <a:lstStyle/>
+                  <a:p>
+                    <a:pPr algn="ctr"/>
+                    <a:endParaRPr lang="en-US"/>
+                  </a:p>
+                </p:txBody>
+              </p:sp>
+            </p:grpSp>
+            <p:cxnSp>
+              <p:nvCxnSpPr>
+                <p:cNvPr id="86" name="Straight Connector 85"/>
+                <p:cNvCxnSpPr/>
+                <p:nvPr/>
+              </p:nvCxnSpPr>
+              <p:spPr>
+                <a:xfrm flipV="1">
+                  <a:off x="1497854" y="5586644"/>
+                  <a:ext cx="605218" cy="1"/>
+                </a:xfrm>
+                <a:prstGeom prst="line">
+                  <a:avLst/>
+                </a:prstGeom>
+                <a:ln w="28575"/>
+              </p:spPr>
+              <p:style>
+                <a:lnRef idx="1">
+                  <a:schemeClr val="dk1"/>
+                </a:lnRef>
+                <a:fillRef idx="0">
+                  <a:schemeClr val="dk1"/>
+                </a:fillRef>
+                <a:effectRef idx="0">
+                  <a:schemeClr val="dk1"/>
+                </a:effectRef>
+                <a:fontRef idx="minor">
+                  <a:schemeClr val="tx1"/>
+                </a:fontRef>
+              </p:style>
+            </p:cxnSp>
+          </p:grpSp>
+          <p:sp>
+            <p:nvSpPr>
+              <p:cNvPr id="24" name="TextBox 23"/>
+              <p:cNvSpPr txBox="1"/>
+              <p:nvPr/>
+            </p:nvSpPr>
+            <p:spPr>
+              <a:xfrm>
+                <a:off x="3660451" y="2060635"/>
+                <a:ext cx="1791999" cy="722563"/>
+              </a:xfrm>
+              <a:prstGeom prst="rect">
+                <a:avLst/>
+              </a:prstGeom>
+              <a:noFill/>
+            </p:spPr>
+            <p:txBody>
+              <a:bodyPr wrap="none" rtlCol="0">
+                <a:spAutoFit/>
+              </a:bodyPr>
+              <a:lstStyle/>
+              <a:p>
+                <a:pPr algn="ctr"/>
+                <a:r>
+                  <a:rPr lang="en-US" sz="1400" dirty="0" smtClean="0"/>
+                  <a:t>Polarization </a:t>
+                </a:r>
+              </a:p>
+              <a:p>
+                <a:pPr algn="ctr"/>
+                <a:r>
+                  <a:rPr lang="en-US" sz="1400" dirty="0" smtClean="0"/>
+                  <a:t>Controller</a:t>
+                </a:r>
+                <a:endParaRPr lang="en-US" sz="1400" dirty="0"/>
+              </a:p>
+            </p:txBody>
+          </p:sp>
+          <p:pic>
+            <p:nvPicPr>
+              <p:cNvPr id="6" name="Picture 5"/>
+              <p:cNvPicPr>
+                <a:picLocks noChangeAspect="1"/>
+              </p:cNvPicPr>
+              <p:nvPr/>
+            </p:nvPicPr>
+            <p:blipFill>
+              <a:blip r:embed="rId4" cstate="print">
+                <a:extLst>
+                  <a:ext uri="{28A0092B-C50C-407E-A947-70E740481C1C}">
+                    <a14:useLocalDpi xmlns:a14="http://schemas.microsoft.com/office/drawing/2010/main" val="0"/>
+                  </a:ext>
+                </a:extLst>
+              </a:blip>
+              <a:stretch>
+                <a:fillRect/>
+              </a:stretch>
+            </p:blipFill>
+            <p:spPr>
+              <a:xfrm>
+                <a:off x="5284572" y="1881798"/>
+                <a:ext cx="2300850" cy="2118466"/>
+              </a:xfrm>
+              <a:prstGeom prst="rect">
+                <a:avLst/>
+              </a:prstGeom>
+            </p:spPr>
+          </p:pic>
+          <p:sp>
+            <p:nvSpPr>
+              <p:cNvPr id="45" name="TextBox 44"/>
+              <p:cNvSpPr txBox="1"/>
+              <p:nvPr/>
+            </p:nvSpPr>
+            <p:spPr>
+              <a:xfrm>
+                <a:off x="8724555" y="1807898"/>
+                <a:ext cx="916273" cy="722563"/>
+              </a:xfrm>
+              <a:prstGeom prst="rect">
+                <a:avLst/>
+              </a:prstGeom>
+              <a:noFill/>
+            </p:spPr>
+            <p:txBody>
+              <a:bodyPr wrap="none" rtlCol="0">
+                <a:spAutoFit/>
+              </a:bodyPr>
+              <a:lstStyle/>
+              <a:p>
+                <a:pPr algn="ctr"/>
+                <a:r>
+                  <a:rPr lang="en-US" sz="1400" dirty="0" smtClean="0"/>
+                  <a:t>Fiber</a:t>
+                </a:r>
+              </a:p>
+              <a:p>
+                <a:pPr algn="ctr"/>
+                <a:r>
+                  <a:rPr lang="en-US" sz="1400" dirty="0" smtClean="0"/>
+                  <a:t>Loop</a:t>
+                </a:r>
+                <a:endParaRPr lang="en-US" sz="1400" dirty="0"/>
+              </a:p>
+            </p:txBody>
+          </p:sp>
+          <p:cxnSp>
+            <p:nvCxnSpPr>
+              <p:cNvPr id="46" name="Straight Connector 45"/>
+              <p:cNvCxnSpPr/>
+              <p:nvPr/>
+            </p:nvCxnSpPr>
+            <p:spPr>
+              <a:xfrm flipV="1">
+                <a:off x="7283688" y="2941031"/>
+                <a:ext cx="754424" cy="2"/>
+              </a:xfrm>
+              <a:prstGeom prst="line">
+                <a:avLst/>
+              </a:prstGeom>
+              <a:ln>
+                <a:solidFill>
+                  <a:srgbClr val="FF0000"/>
+                </a:solidFill>
+              </a:ln>
+            </p:spPr>
+            <p:style>
+              <a:lnRef idx="3">
+                <a:schemeClr val="accent2"/>
+              </a:lnRef>
+              <a:fillRef idx="0">
+                <a:schemeClr val="accent2"/>
+              </a:fillRef>
+              <a:effectRef idx="2">
+                <a:schemeClr val="accent2"/>
+              </a:effectRef>
+              <a:fontRef idx="minor">
+                <a:schemeClr val="tx1"/>
+              </a:fontRef>
+            </p:style>
+          </p:cxnSp>
+          <p:grpSp>
+            <p:nvGrpSpPr>
+              <p:cNvPr id="35" name="Group 34"/>
+              <p:cNvGrpSpPr/>
+              <p:nvPr/>
+            </p:nvGrpSpPr>
+            <p:grpSpPr>
+              <a:xfrm>
+                <a:off x="8765357" y="2488593"/>
+                <a:ext cx="840581" cy="452438"/>
+                <a:chOff x="9200668" y="2800350"/>
+                <a:chExt cx="840581" cy="452438"/>
               </a:xfrm>
             </p:grpSpPr>
             <p:sp>
               <p:nvSpPr>
-                <p:cNvPr id="56" name="Oval 55"/>
+                <p:cNvPr id="28" name="Oval 27"/>
                 <p:cNvSpPr/>
                 <p:nvPr/>
               </p:nvSpPr>
               <p:spPr>
                 <a:xfrm>
-                  <a:off x="3627999" y="2105659"/>
-                  <a:ext cx="178585" cy="176446"/>
+                  <a:off x="9296400" y="2800350"/>
+                  <a:ext cx="469106" cy="452438"/>
                 </a:xfrm>
                 <a:prstGeom prst="ellipse">
                   <a:avLst/>
                 </a:prstGeom>
-                <a:ln w="28575"/>
+                <a:solidFill>
+                  <a:schemeClr val="lt1">
+                    <a:alpha val="0"/>
+                  </a:schemeClr>
+                </a:solidFill>
+                <a:ln w="38100"/>
               </p:spPr>
               <p:style>
                 <a:lnRef idx="2">
@@ -3339,19 +3663,24 @@
             </p:sp>
             <p:sp>
               <p:nvSpPr>
-                <p:cNvPr id="57" name="Oval 56"/>
+                <p:cNvPr id="52" name="Oval 51"/>
                 <p:cNvSpPr/>
                 <p:nvPr/>
               </p:nvSpPr>
               <p:spPr>
                 <a:xfrm>
-                  <a:off x="3815759" y="2105659"/>
-                  <a:ext cx="178585" cy="176446"/>
+                  <a:off x="9376960" y="2800350"/>
+                  <a:ext cx="482085" cy="452438"/>
                 </a:xfrm>
                 <a:prstGeom prst="ellipse">
                   <a:avLst/>
                 </a:prstGeom>
-                <a:ln w="28575"/>
+                <a:solidFill>
+                  <a:schemeClr val="lt1">
+                    <a:alpha val="0"/>
+                  </a:schemeClr>
+                </a:solidFill>
+                <a:ln w="38100"/>
               </p:spPr>
               <p:style>
                 <a:lnRef idx="2">
@@ -3378,19 +3707,24 @@
             </p:sp>
             <p:sp>
               <p:nvSpPr>
-                <p:cNvPr id="58" name="Oval 57"/>
+                <p:cNvPr id="53" name="Oval 52"/>
                 <p:cNvSpPr/>
                 <p:nvPr/>
               </p:nvSpPr>
               <p:spPr>
                 <a:xfrm>
-                  <a:off x="4001896" y="2101158"/>
-                  <a:ext cx="178585" cy="176446"/>
+                  <a:off x="9462923" y="2800350"/>
+                  <a:ext cx="469106" cy="452438"/>
                 </a:xfrm>
                 <a:prstGeom prst="ellipse">
                   <a:avLst/>
                 </a:prstGeom>
-                <a:ln w="28575"/>
+                <a:solidFill>
+                  <a:schemeClr val="lt1">
+                    <a:alpha val="0"/>
+                  </a:schemeClr>
+                </a:solidFill>
+                <a:ln w="38100"/>
               </p:spPr>
               <p:style>
                 <a:lnRef idx="2">
@@ -3415,800 +3749,202 @@
                 </a:p>
               </p:txBody>
             </p:sp>
+            <p:cxnSp>
+              <p:nvCxnSpPr>
+                <p:cNvPr id="54" name="Straight Connector 53"/>
+                <p:cNvCxnSpPr/>
+                <p:nvPr/>
+              </p:nvCxnSpPr>
+              <p:spPr>
+                <a:xfrm>
+                  <a:off x="9200668" y="3252788"/>
+                  <a:ext cx="840581" cy="0"/>
+                </a:xfrm>
+                <a:prstGeom prst="line">
+                  <a:avLst/>
+                </a:prstGeom>
+                <a:ln w="28575"/>
+              </p:spPr>
+              <p:style>
+                <a:lnRef idx="1">
+                  <a:schemeClr val="dk1"/>
+                </a:lnRef>
+                <a:fillRef idx="0">
+                  <a:schemeClr val="dk1"/>
+                </a:fillRef>
+                <a:effectRef idx="0">
+                  <a:schemeClr val="dk1"/>
+                </a:effectRef>
+                <a:fontRef idx="minor">
+                  <a:schemeClr val="tx1"/>
+                </a:fontRef>
+              </p:style>
+            </p:cxnSp>
           </p:grpSp>
           <p:cxnSp>
             <p:nvCxnSpPr>
-              <p:cNvPr id="86" name="Straight Connector 85"/>
+              <p:cNvPr id="69" name="Straight Connector 68"/>
               <p:cNvCxnSpPr/>
               <p:nvPr/>
             </p:nvCxnSpPr>
             <p:spPr>
               <a:xfrm flipV="1">
-                <a:off x="1497854" y="5586644"/>
-                <a:ext cx="605218" cy="1"/>
+                <a:off x="8010933" y="2941031"/>
+                <a:ext cx="754424" cy="2"/>
               </a:xfrm>
               <a:prstGeom prst="line">
                 <a:avLst/>
               </a:prstGeom>
-              <a:ln w="28575"/>
+              <a:ln>
+                <a:solidFill>
+                  <a:srgbClr val="FF0000"/>
+                </a:solidFill>
+                <a:prstDash val="sysDash"/>
+              </a:ln>
             </p:spPr>
             <p:style>
-              <a:lnRef idx="1">
-                <a:schemeClr val="dk1"/>
+              <a:lnRef idx="3">
+                <a:schemeClr val="accent2"/>
               </a:lnRef>
               <a:fillRef idx="0">
-                <a:schemeClr val="dk1"/>
+                <a:schemeClr val="accent2"/>
               </a:fillRef>
-              <a:effectRef idx="0">
-                <a:schemeClr val="dk1"/>
+              <a:effectRef idx="2">
+                <a:schemeClr val="accent2"/>
               </a:effectRef>
               <a:fontRef idx="minor">
                 <a:schemeClr val="tx1"/>
               </a:fontRef>
             </p:style>
           </p:cxnSp>
-        </p:grpSp>
-        <p:sp>
-          <p:nvSpPr>
-            <p:cNvPr id="24" name="TextBox 23"/>
-            <p:cNvSpPr txBox="1"/>
-            <p:nvPr/>
-          </p:nvSpPr>
-          <p:spPr>
-            <a:xfrm>
-              <a:off x="3660451" y="2060635"/>
-              <a:ext cx="1791999" cy="722563"/>
-            </a:xfrm>
-            <a:prstGeom prst="rect">
-              <a:avLst/>
-            </a:prstGeom>
-            <a:noFill/>
-          </p:spPr>
-          <p:txBody>
-            <a:bodyPr wrap="none" rtlCol="0">
-              <a:spAutoFit/>
-            </a:bodyPr>
-            <a:lstStyle/>
-            <a:p>
-              <a:pPr algn="ctr"/>
-              <a:r>
-                <a:rPr lang="en-US" sz="1400" dirty="0" smtClean="0"/>
-                <a:t>Polarization </a:t>
-              </a:r>
-            </a:p>
-            <a:p>
-              <a:pPr algn="ctr"/>
-              <a:r>
-                <a:rPr lang="en-US" sz="1400" dirty="0" smtClean="0"/>
-                <a:t>Controller</a:t>
-              </a:r>
-              <a:endParaRPr lang="en-US" sz="1400" dirty="0"/>
-            </a:p>
-          </p:txBody>
-        </p:sp>
-        <p:pic>
-          <p:nvPicPr>
-            <p:cNvPr id="6" name="Picture 5"/>
-            <p:cNvPicPr>
-              <a:picLocks noChangeAspect="1"/>
-            </p:cNvPicPr>
-            <p:nvPr/>
-          </p:nvPicPr>
-          <p:blipFill>
-            <a:blip r:embed="rId4" cstate="print">
-              <a:extLst>
-                <a:ext uri="{28A0092B-C50C-407E-A947-70E740481C1C}">
-                  <a14:useLocalDpi xmlns:a14="http://schemas.microsoft.com/office/drawing/2010/main" val="0"/>
-                </a:ext>
-              </a:extLst>
-            </a:blip>
-            <a:stretch>
-              <a:fillRect/>
-            </a:stretch>
-          </p:blipFill>
-          <p:spPr>
-            <a:xfrm>
-              <a:off x="5284572" y="1881798"/>
-              <a:ext cx="2300850" cy="2118466"/>
-            </a:xfrm>
-            <a:prstGeom prst="rect">
-              <a:avLst/>
-            </a:prstGeom>
-          </p:spPr>
-        </p:pic>
-        <p:sp>
-          <p:nvSpPr>
-            <p:cNvPr id="45" name="TextBox 44"/>
-            <p:cNvSpPr txBox="1"/>
-            <p:nvPr/>
-          </p:nvSpPr>
-          <p:spPr>
-            <a:xfrm>
-              <a:off x="8724555" y="1807898"/>
-              <a:ext cx="916273" cy="722563"/>
-            </a:xfrm>
-            <a:prstGeom prst="rect">
-              <a:avLst/>
-            </a:prstGeom>
-            <a:noFill/>
-          </p:spPr>
-          <p:txBody>
-            <a:bodyPr wrap="none" rtlCol="0">
-              <a:spAutoFit/>
-            </a:bodyPr>
-            <a:lstStyle/>
-            <a:p>
-              <a:pPr algn="ctr"/>
-              <a:r>
-                <a:rPr lang="en-US" sz="1400" dirty="0" smtClean="0"/>
-                <a:t>Fiber</a:t>
-              </a:r>
-            </a:p>
-            <a:p>
-              <a:pPr algn="ctr"/>
-              <a:r>
-                <a:rPr lang="en-US" sz="1400" dirty="0" smtClean="0"/>
-                <a:t>Loop</a:t>
-              </a:r>
-              <a:endParaRPr lang="en-US" sz="1400" dirty="0"/>
-            </a:p>
-          </p:txBody>
-        </p:sp>
-        <p:cxnSp>
-          <p:nvCxnSpPr>
-            <p:cNvPr id="46" name="Straight Connector 45"/>
-            <p:cNvCxnSpPr/>
-            <p:nvPr/>
-          </p:nvCxnSpPr>
-          <p:spPr>
-            <a:xfrm flipV="1">
-              <a:off x="7283688" y="2941031"/>
-              <a:ext cx="754424" cy="2"/>
-            </a:xfrm>
-            <a:prstGeom prst="line">
-              <a:avLst/>
-            </a:prstGeom>
-            <a:ln>
-              <a:solidFill>
-                <a:srgbClr val="FF0000"/>
-              </a:solidFill>
-            </a:ln>
-          </p:spPr>
-          <p:style>
-            <a:lnRef idx="3">
-              <a:schemeClr val="accent2"/>
-            </a:lnRef>
-            <a:fillRef idx="0">
-              <a:schemeClr val="accent2"/>
-            </a:fillRef>
-            <a:effectRef idx="2">
-              <a:schemeClr val="accent2"/>
-            </a:effectRef>
-            <a:fontRef idx="minor">
-              <a:schemeClr val="tx1"/>
-            </a:fontRef>
-          </p:style>
-        </p:cxnSp>
-        <p:grpSp>
-          <p:nvGrpSpPr>
-            <p:cNvPr id="35" name="Group 34"/>
-            <p:cNvGrpSpPr/>
-            <p:nvPr/>
-          </p:nvGrpSpPr>
-          <p:grpSpPr>
-            <a:xfrm>
-              <a:off x="8765357" y="2488593"/>
-              <a:ext cx="840581" cy="452438"/>
-              <a:chOff x="9200668" y="2800350"/>
-              <a:chExt cx="840581" cy="452438"/>
-            </a:xfrm>
-          </p:grpSpPr>
-          <p:sp>
-            <p:nvSpPr>
-              <p:cNvPr id="28" name="Oval 27"/>
-              <p:cNvSpPr/>
-              <p:nvPr/>
-            </p:nvSpPr>
-            <p:spPr>
-              <a:xfrm>
-                <a:off x="9296400" y="2800350"/>
-                <a:ext cx="469106" cy="452438"/>
-              </a:xfrm>
-              <a:prstGeom prst="ellipse">
-                <a:avLst/>
-              </a:prstGeom>
-              <a:solidFill>
-                <a:schemeClr val="lt1">
-                  <a:alpha val="0"/>
-                </a:schemeClr>
-              </a:solidFill>
-              <a:ln w="38100"/>
-            </p:spPr>
-            <p:style>
-              <a:lnRef idx="2">
-                <a:schemeClr val="dk1"/>
-              </a:lnRef>
-              <a:fillRef idx="1">
-                <a:schemeClr val="lt1"/>
-              </a:fillRef>
-              <a:effectRef idx="0">
-                <a:schemeClr val="dk1"/>
-              </a:effectRef>
-              <a:fontRef idx="minor">
-                <a:schemeClr val="dk1"/>
-              </a:fontRef>
-            </p:style>
-            <p:txBody>
-              <a:bodyPr rtlCol="0" anchor="ctr"/>
-              <a:lstStyle/>
-              <a:p>
-                <a:pPr algn="ctr"/>
-                <a:endParaRPr lang="en-US"/>
-              </a:p>
-            </p:txBody>
-          </p:sp>
-          <p:sp>
-            <p:nvSpPr>
-              <p:cNvPr id="52" name="Oval 51"/>
-              <p:cNvSpPr/>
-              <p:nvPr/>
-            </p:nvSpPr>
-            <p:spPr>
-              <a:xfrm>
-                <a:off x="9376960" y="2800350"/>
-                <a:ext cx="482085" cy="452438"/>
-              </a:xfrm>
-              <a:prstGeom prst="ellipse">
-                <a:avLst/>
-              </a:prstGeom>
-              <a:solidFill>
-                <a:schemeClr val="lt1">
-                  <a:alpha val="0"/>
-                </a:schemeClr>
-              </a:solidFill>
-              <a:ln w="38100"/>
-            </p:spPr>
-            <p:style>
-              <a:lnRef idx="2">
-                <a:schemeClr val="dk1"/>
-              </a:lnRef>
-              <a:fillRef idx="1">
-                <a:schemeClr val="lt1"/>
-              </a:fillRef>
-              <a:effectRef idx="0">
-                <a:schemeClr val="dk1"/>
-              </a:effectRef>
-              <a:fontRef idx="minor">
-                <a:schemeClr val="dk1"/>
-              </a:fontRef>
-            </p:style>
-            <p:txBody>
-              <a:bodyPr rtlCol="0" anchor="ctr"/>
-              <a:lstStyle/>
-              <a:p>
-                <a:pPr algn="ctr"/>
-                <a:endParaRPr lang="en-US"/>
-              </a:p>
-            </p:txBody>
-          </p:sp>
-          <p:sp>
-            <p:nvSpPr>
-              <p:cNvPr id="53" name="Oval 52"/>
-              <p:cNvSpPr/>
-              <p:nvPr/>
-            </p:nvSpPr>
-            <p:spPr>
-              <a:xfrm>
-                <a:off x="9462923" y="2800350"/>
-                <a:ext cx="469106" cy="452438"/>
-              </a:xfrm>
-              <a:prstGeom prst="ellipse">
-                <a:avLst/>
-              </a:prstGeom>
-              <a:solidFill>
-                <a:schemeClr val="lt1">
-                  <a:alpha val="0"/>
-                </a:schemeClr>
-              </a:solidFill>
-              <a:ln w="38100"/>
-            </p:spPr>
-            <p:style>
-              <a:lnRef idx="2">
-                <a:schemeClr val="dk1"/>
-              </a:lnRef>
-              <a:fillRef idx="1">
-                <a:schemeClr val="lt1"/>
-              </a:fillRef>
-              <a:effectRef idx="0">
-                <a:schemeClr val="dk1"/>
-              </a:effectRef>
-              <a:fontRef idx="minor">
-                <a:schemeClr val="dk1"/>
-              </a:fontRef>
-            </p:style>
-            <p:txBody>
-              <a:bodyPr rtlCol="0" anchor="ctr"/>
-              <a:lstStyle/>
-              <a:p>
-                <a:pPr algn="ctr"/>
-                <a:endParaRPr lang="en-US"/>
-              </a:p>
-            </p:txBody>
-          </p:sp>
           <p:cxnSp>
             <p:nvCxnSpPr>
-              <p:cNvPr id="54" name="Straight Connector 53"/>
+              <p:cNvPr id="73" name="Straight Connector 72"/>
               <p:cNvCxnSpPr/>
               <p:nvPr/>
             </p:nvCxnSpPr>
             <p:spPr>
-              <a:xfrm>
-                <a:off x="9200668" y="3252788"/>
-                <a:ext cx="840581" cy="0"/>
+              <a:xfrm flipV="1">
+                <a:off x="9619081" y="2941031"/>
+                <a:ext cx="754424" cy="2"/>
               </a:xfrm>
               <a:prstGeom prst="line">
                 <a:avLst/>
               </a:prstGeom>
-              <a:ln w="28575"/>
+              <a:ln>
+                <a:solidFill>
+                  <a:srgbClr val="FF0000"/>
+                </a:solidFill>
+                <a:prstDash val="sysDash"/>
+              </a:ln>
             </p:spPr>
             <p:style>
-              <a:lnRef idx="1">
-                <a:schemeClr val="dk1"/>
+              <a:lnRef idx="3">
+                <a:schemeClr val="accent2"/>
               </a:lnRef>
               <a:fillRef idx="0">
-                <a:schemeClr val="dk1"/>
+                <a:schemeClr val="accent2"/>
               </a:fillRef>
-              <a:effectRef idx="0">
-                <a:schemeClr val="dk1"/>
+              <a:effectRef idx="2">
+                <a:schemeClr val="accent2"/>
               </a:effectRef>
               <a:fontRef idx="minor">
                 <a:schemeClr val="tx1"/>
               </a:fontRef>
             </p:style>
           </p:cxnSp>
+          <p:cxnSp>
+            <p:nvCxnSpPr>
+              <p:cNvPr id="63" name="Straight Arrow Connector 62"/>
+              <p:cNvCxnSpPr/>
+              <p:nvPr/>
+            </p:nvCxnSpPr>
+            <p:spPr>
+              <a:xfrm>
+                <a:off x="10349370" y="2941031"/>
+                <a:ext cx="528180" cy="0"/>
+              </a:xfrm>
+              <a:prstGeom prst="straightConnector1">
+                <a:avLst/>
+              </a:prstGeom>
+              <a:ln w="19050">
+                <a:solidFill>
+                  <a:srgbClr val="FF0000"/>
+                </a:solidFill>
+                <a:tailEnd type="triangle"/>
+              </a:ln>
+            </p:spPr>
+            <p:style>
+              <a:lnRef idx="1">
+                <a:schemeClr val="accent1"/>
+              </a:lnRef>
+              <a:fillRef idx="0">
+                <a:schemeClr val="accent1"/>
+              </a:fillRef>
+              <a:effectRef idx="0">
+                <a:schemeClr val="accent1"/>
+              </a:effectRef>
+              <a:fontRef idx="minor">
+                <a:schemeClr val="tx1"/>
+              </a:fontRef>
+            </p:style>
+          </p:cxnSp>
+          <p:sp>
+            <p:nvSpPr>
+              <p:cNvPr id="75" name="TextBox 74"/>
+              <p:cNvSpPr txBox="1"/>
+              <p:nvPr/>
+            </p:nvSpPr>
+            <p:spPr>
+              <a:xfrm>
+                <a:off x="10365655" y="2584104"/>
+                <a:ext cx="1883432" cy="713853"/>
+              </a:xfrm>
+              <a:prstGeom prst="rect">
+                <a:avLst/>
+              </a:prstGeom>
+              <a:noFill/>
+            </p:spPr>
+            <p:txBody>
+              <a:bodyPr wrap="none" rtlCol="0">
+                <a:spAutoFit/>
+              </a:bodyPr>
+              <a:lstStyle/>
+              <a:p>
+                <a:pPr algn="ctr"/>
+                <a:r>
+                  <a:rPr lang="en-US" sz="1400" dirty="0" smtClean="0"/>
+                  <a:t>SSB </a:t>
+                </a:r>
+              </a:p>
+              <a:p>
+                <a:pPr algn="ctr"/>
+                <a:r>
+                  <a:rPr lang="en-US" sz="1400" dirty="0" smtClean="0"/>
+                  <a:t>Optical Signal</a:t>
+                </a:r>
+                <a:endParaRPr lang="en-US" sz="1400" dirty="0"/>
+              </a:p>
+            </p:txBody>
+          </p:sp>
         </p:grpSp>
         <p:cxnSp>
           <p:nvCxnSpPr>
-            <p:cNvPr id="69" name="Straight Connector 68"/>
-            <p:cNvCxnSpPr/>
-            <p:nvPr/>
-          </p:nvCxnSpPr>
-          <p:spPr>
-            <a:xfrm flipV="1">
-              <a:off x="8010933" y="2941031"/>
-              <a:ext cx="754424" cy="2"/>
-            </a:xfrm>
-            <a:prstGeom prst="line">
-              <a:avLst/>
-            </a:prstGeom>
-            <a:ln>
-              <a:solidFill>
-                <a:srgbClr val="FF0000"/>
-              </a:solidFill>
-              <a:prstDash val="sysDash"/>
-            </a:ln>
-          </p:spPr>
-          <p:style>
-            <a:lnRef idx="3">
-              <a:schemeClr val="accent2"/>
-            </a:lnRef>
-            <a:fillRef idx="0">
-              <a:schemeClr val="accent2"/>
-            </a:fillRef>
-            <a:effectRef idx="2">
-              <a:schemeClr val="accent2"/>
-            </a:effectRef>
-            <a:fontRef idx="minor">
-              <a:schemeClr val="tx1"/>
-            </a:fontRef>
-          </p:style>
-        </p:cxnSp>
-        <p:cxnSp>
-          <p:nvCxnSpPr>
-            <p:cNvPr id="73" name="Straight Connector 72"/>
-            <p:cNvCxnSpPr/>
-            <p:nvPr/>
-          </p:nvCxnSpPr>
-          <p:spPr>
-            <a:xfrm flipV="1">
-              <a:off x="9619081" y="2941031"/>
-              <a:ext cx="754424" cy="2"/>
-            </a:xfrm>
-            <a:prstGeom prst="line">
-              <a:avLst/>
-            </a:prstGeom>
-            <a:ln>
-              <a:solidFill>
-                <a:srgbClr val="FF0000"/>
-              </a:solidFill>
-              <a:prstDash val="sysDash"/>
-            </a:ln>
-          </p:spPr>
-          <p:style>
-            <a:lnRef idx="3">
-              <a:schemeClr val="accent2"/>
-            </a:lnRef>
-            <a:fillRef idx="0">
-              <a:schemeClr val="accent2"/>
-            </a:fillRef>
-            <a:effectRef idx="2">
-              <a:schemeClr val="accent2"/>
-            </a:effectRef>
-            <a:fontRef idx="minor">
-              <a:schemeClr val="tx1"/>
-            </a:fontRef>
-          </p:style>
-        </p:cxnSp>
-        <p:cxnSp>
-          <p:nvCxnSpPr>
-            <p:cNvPr id="63" name="Straight Arrow Connector 62"/>
-            <p:cNvCxnSpPr/>
-            <p:nvPr/>
-          </p:nvCxnSpPr>
-          <p:spPr>
-            <a:xfrm>
-              <a:off x="10349370" y="2941031"/>
-              <a:ext cx="528180" cy="0"/>
-            </a:xfrm>
-            <a:prstGeom prst="straightConnector1">
-              <a:avLst/>
-            </a:prstGeom>
-            <a:ln w="19050">
-              <a:solidFill>
-                <a:srgbClr val="FF0000"/>
-              </a:solidFill>
-              <a:tailEnd type="triangle"/>
-            </a:ln>
-          </p:spPr>
-          <p:style>
-            <a:lnRef idx="1">
-              <a:schemeClr val="accent1"/>
-            </a:lnRef>
-            <a:fillRef idx="0">
-              <a:schemeClr val="accent1"/>
-            </a:fillRef>
-            <a:effectRef idx="0">
-              <a:schemeClr val="accent1"/>
-            </a:effectRef>
-            <a:fontRef idx="minor">
-              <a:schemeClr val="tx1"/>
-            </a:fontRef>
-          </p:style>
-        </p:cxnSp>
-        <p:sp>
-          <p:nvSpPr>
-            <p:cNvPr id="75" name="TextBox 74"/>
-            <p:cNvSpPr txBox="1"/>
-            <p:nvPr/>
-          </p:nvSpPr>
-          <p:spPr>
-            <a:xfrm>
-              <a:off x="10365655" y="2584104"/>
-              <a:ext cx="1883432" cy="713853"/>
-            </a:xfrm>
-            <a:prstGeom prst="rect">
-              <a:avLst/>
-            </a:prstGeom>
-            <a:noFill/>
-          </p:spPr>
-          <p:txBody>
-            <a:bodyPr wrap="none" rtlCol="0">
-              <a:spAutoFit/>
-            </a:bodyPr>
-            <a:lstStyle/>
-            <a:p>
-              <a:pPr algn="ctr"/>
-              <a:r>
-                <a:rPr lang="en-US" sz="1400" dirty="0" smtClean="0"/>
-                <a:t>SSB </a:t>
-              </a:r>
-            </a:p>
-            <a:p>
-              <a:pPr algn="ctr"/>
-              <a:r>
-                <a:rPr lang="en-US" sz="1400" dirty="0" smtClean="0"/>
-                <a:t>Optical Signal</a:t>
-              </a:r>
-              <a:endParaRPr lang="en-US" sz="1400" dirty="0"/>
-            </a:p>
-          </p:txBody>
-        </p:sp>
-      </p:grpSp>
-      <p:cxnSp>
-        <p:nvCxnSpPr>
-          <p:cNvPr id="40" name="Elbow Connector 39"/>
-          <p:cNvCxnSpPr>
-            <a:stCxn id="48" idx="3"/>
-          </p:cNvCxnSpPr>
-          <p:nvPr/>
-        </p:nvCxnSpPr>
-        <p:spPr>
-          <a:xfrm>
-            <a:off x="4260085" y="893811"/>
-            <a:ext cx="4248160" cy="2654131"/>
-          </a:xfrm>
-          <a:prstGeom prst="bentConnector3">
-            <a:avLst>
-              <a:gd name="adj1" fmla="val 99889"/>
-            </a:avLst>
-          </a:prstGeom>
-          <a:ln w="28575">
-            <a:tailEnd type="triangle"/>
-          </a:ln>
-        </p:spPr>
-        <p:style>
-          <a:lnRef idx="1">
-            <a:schemeClr val="dk1"/>
-          </a:lnRef>
-          <a:fillRef idx="0">
-            <a:schemeClr val="dk1"/>
-          </a:fillRef>
-          <a:effectRef idx="0">
-            <a:schemeClr val="dk1"/>
-          </a:effectRef>
-          <a:fontRef idx="minor">
-            <a:schemeClr val="tx1"/>
-          </a:fontRef>
-        </p:style>
-      </p:cxnSp>
-      <p:grpSp>
-        <p:nvGrpSpPr>
-          <p:cNvPr id="83" name="Group 82"/>
-          <p:cNvGrpSpPr/>
-          <p:nvPr/>
-        </p:nvGrpSpPr>
-        <p:grpSpPr>
-          <a:xfrm>
-            <a:off x="161924" y="522845"/>
-            <a:ext cx="4098161" cy="2584313"/>
-            <a:chOff x="161924" y="522845"/>
-            <a:chExt cx="4098161" cy="2584313"/>
-          </a:xfrm>
-        </p:grpSpPr>
-        <p:sp>
-          <p:nvSpPr>
-            <p:cNvPr id="22" name="Rectangle 21"/>
-            <p:cNvSpPr/>
-            <p:nvPr/>
-          </p:nvSpPr>
-          <p:spPr>
-            <a:xfrm>
-              <a:off x="161924" y="522845"/>
-              <a:ext cx="930559" cy="741931"/>
-            </a:xfrm>
-            <a:prstGeom prst="rect">
-              <a:avLst/>
-            </a:prstGeom>
-            <a:solidFill>
-              <a:srgbClr val="FF0000"/>
-            </a:solidFill>
-            <a:ln>
-              <a:noFill/>
-            </a:ln>
-            <a:effectLst>
-              <a:outerShdw blurRad="190500" dist="228600" dir="2700000" algn="ctr">
-                <a:srgbClr val="000000">
-                  <a:alpha val="30000"/>
-                </a:srgbClr>
-              </a:outerShdw>
-            </a:effectLst>
-            <a:scene3d>
-              <a:camera prst="orthographicFront">
-                <a:rot lat="0" lon="0" rev="0"/>
-              </a:camera>
-              <a:lightRig rig="glow" dir="t">
-                <a:rot lat="0" lon="0" rev="4800000"/>
-              </a:lightRig>
-            </a:scene3d>
-            <a:sp3d prstMaterial="matte">
-              <a:bevelT w="127000" h="63500"/>
-            </a:sp3d>
-          </p:spPr>
-          <p:style>
-            <a:lnRef idx="2">
-              <a:schemeClr val="accent1">
-                <a:shade val="50000"/>
-              </a:schemeClr>
-            </a:lnRef>
-            <a:fillRef idx="1">
-              <a:schemeClr val="accent1"/>
-            </a:fillRef>
-            <a:effectRef idx="0">
-              <a:schemeClr val="accent1"/>
-            </a:effectRef>
-            <a:fontRef idx="minor">
-              <a:schemeClr val="lt1"/>
-            </a:fontRef>
-          </p:style>
-          <p:txBody>
-            <a:bodyPr rtlCol="0" anchor="ctr"/>
-            <a:lstStyle/>
-            <a:p>
-              <a:pPr algn="ctr"/>
-              <a:r>
-                <a:rPr lang="en-US" sz="1400" b="1" dirty="0" smtClean="0">
-                  <a:solidFill>
-                    <a:schemeClr val="tx1"/>
-                  </a:solidFill>
-                </a:rPr>
-                <a:t>Source</a:t>
-              </a:r>
-              <a:endParaRPr lang="en-US" sz="1400" b="1" dirty="0">
-                <a:solidFill>
-                  <a:schemeClr val="tx1"/>
-                </a:solidFill>
-              </a:endParaRPr>
-            </a:p>
-          </p:txBody>
-        </p:sp>
-        <p:sp>
-          <p:nvSpPr>
-            <p:cNvPr id="47" name="Rectangle 46"/>
-            <p:cNvSpPr/>
-            <p:nvPr/>
-          </p:nvSpPr>
-          <p:spPr>
-            <a:xfrm>
-              <a:off x="1346513" y="522845"/>
-              <a:ext cx="1103530" cy="741931"/>
-            </a:xfrm>
-            <a:prstGeom prst="rect">
-              <a:avLst/>
-            </a:prstGeom>
-            <a:solidFill>
-              <a:srgbClr val="00B050"/>
-            </a:solidFill>
-            <a:ln>
-              <a:noFill/>
-            </a:ln>
-            <a:effectLst>
-              <a:outerShdw blurRad="190500" dist="228600" dir="2700000" algn="ctr">
-                <a:srgbClr val="000000">
-                  <a:alpha val="30000"/>
-                </a:srgbClr>
-              </a:outerShdw>
-            </a:effectLst>
-            <a:scene3d>
-              <a:camera prst="orthographicFront">
-                <a:rot lat="0" lon="0" rev="0"/>
-              </a:camera>
-              <a:lightRig rig="glow" dir="t">
-                <a:rot lat="0" lon="0" rev="4800000"/>
-              </a:lightRig>
-            </a:scene3d>
-            <a:sp3d prstMaterial="matte">
-              <a:bevelT w="127000" h="63500"/>
-            </a:sp3d>
-          </p:spPr>
-          <p:style>
-            <a:lnRef idx="2">
-              <a:schemeClr val="accent1">
-                <a:shade val="50000"/>
-              </a:schemeClr>
-            </a:lnRef>
-            <a:fillRef idx="1">
-              <a:schemeClr val="accent1"/>
-            </a:fillRef>
-            <a:effectRef idx="0">
-              <a:schemeClr val="accent1"/>
-            </a:effectRef>
-            <a:fontRef idx="minor">
-              <a:schemeClr val="lt1"/>
-            </a:fontRef>
-          </p:style>
-          <p:txBody>
-            <a:bodyPr rtlCol="0" anchor="ctr"/>
-            <a:lstStyle/>
-            <a:p>
-              <a:pPr algn="ctr"/>
-              <a:r>
-                <a:rPr lang="en-US" sz="1400" b="1" dirty="0" smtClean="0">
-                  <a:solidFill>
-                    <a:schemeClr val="tx1"/>
-                  </a:solidFill>
-                </a:rPr>
-                <a:t>MQAM Mapping</a:t>
-              </a:r>
-              <a:endParaRPr lang="en-US" sz="1400" b="1" dirty="0">
-                <a:solidFill>
-                  <a:schemeClr val="tx1"/>
-                </a:solidFill>
-              </a:endParaRPr>
-            </a:p>
-          </p:txBody>
-        </p:sp>
-        <p:sp>
-          <p:nvSpPr>
-            <p:cNvPr id="48" name="Rectangle 47"/>
-            <p:cNvSpPr/>
-            <p:nvPr/>
-          </p:nvSpPr>
-          <p:spPr>
-            <a:xfrm>
-              <a:off x="2718354" y="522845"/>
-              <a:ext cx="1541731" cy="741931"/>
-            </a:xfrm>
-            <a:prstGeom prst="rect">
-              <a:avLst/>
-            </a:prstGeom>
-            <a:solidFill>
-              <a:srgbClr val="00B0F0"/>
-            </a:solidFill>
-            <a:ln>
-              <a:noFill/>
-            </a:ln>
-            <a:effectLst>
-              <a:outerShdw blurRad="190500" dist="228600" dir="2700000" algn="ctr">
-                <a:srgbClr val="000000">
-                  <a:alpha val="30000"/>
-                </a:srgbClr>
-              </a:outerShdw>
-            </a:effectLst>
-            <a:scene3d>
-              <a:camera prst="orthographicFront">
-                <a:rot lat="0" lon="0" rev="0"/>
-              </a:camera>
-              <a:lightRig rig="glow" dir="t">
-                <a:rot lat="0" lon="0" rev="4800000"/>
-              </a:lightRig>
-            </a:scene3d>
-            <a:sp3d prstMaterial="matte">
-              <a:bevelT w="127000" h="63500"/>
-            </a:sp3d>
-          </p:spPr>
-          <p:style>
-            <a:lnRef idx="2">
-              <a:schemeClr val="accent1">
-                <a:shade val="50000"/>
-              </a:schemeClr>
-            </a:lnRef>
-            <a:fillRef idx="1">
-              <a:schemeClr val="accent1"/>
-            </a:fillRef>
-            <a:effectRef idx="0">
-              <a:schemeClr val="accent1"/>
-            </a:effectRef>
-            <a:fontRef idx="minor">
-              <a:schemeClr val="lt1"/>
-            </a:fontRef>
-          </p:style>
-          <p:txBody>
-            <a:bodyPr rtlCol="0" anchor="ctr"/>
-            <a:lstStyle/>
-            <a:p>
-              <a:pPr algn="ctr"/>
-              <a:r>
-                <a:rPr lang="en-US" sz="1400" b="1" dirty="0" smtClean="0">
-                  <a:solidFill>
-                    <a:schemeClr val="tx1"/>
-                  </a:solidFill>
-                </a:rPr>
-                <a:t>RRC &amp;                 Up-conversion</a:t>
-              </a:r>
-              <a:endParaRPr lang="en-US" sz="1400" b="1" dirty="0">
-                <a:solidFill>
-                  <a:schemeClr val="tx1"/>
-                </a:solidFill>
-              </a:endParaRPr>
-            </a:p>
-          </p:txBody>
-        </p:sp>
-        <p:cxnSp>
-          <p:nvCxnSpPr>
-            <p:cNvPr id="16" name="Straight Arrow Connector 15"/>
+            <p:cNvPr id="40" name="Elbow Connector 39"/>
             <p:cNvCxnSpPr>
-              <a:stCxn id="22" idx="3"/>
-              <a:endCxn id="47" idx="1"/>
+              <a:stCxn id="48" idx="3"/>
             </p:cNvCxnSpPr>
             <p:nvPr/>
           </p:nvCxnSpPr>
           <p:spPr>
             <a:xfrm>
-              <a:off x="1092483" y="893811"/>
-              <a:ext cx="254030" cy="0"/>
+              <a:off x="4260085" y="893811"/>
+              <a:ext cx="4248160" cy="2654131"/>
             </a:xfrm>
-            <a:prstGeom prst="straightConnector1">
-              <a:avLst/>
+            <a:prstGeom prst="bentConnector3">
+              <a:avLst>
+                <a:gd name="adj1" fmla="val 99889"/>
+              </a:avLst>
             </a:prstGeom>
             <a:ln w="28575">
               <a:tailEnd type="triangle"/>
@@ -4229,26 +3965,450 @@
             </a:fontRef>
           </p:style>
         </p:cxnSp>
+        <p:grpSp>
+          <p:nvGrpSpPr>
+            <p:cNvPr id="83" name="Group 82"/>
+            <p:cNvGrpSpPr/>
+            <p:nvPr/>
+          </p:nvGrpSpPr>
+          <p:grpSpPr>
+            <a:xfrm>
+              <a:off x="161924" y="522845"/>
+              <a:ext cx="4098161" cy="2584313"/>
+              <a:chOff x="161924" y="522845"/>
+              <a:chExt cx="4098161" cy="2584313"/>
+            </a:xfrm>
+          </p:grpSpPr>
+          <p:sp>
+            <p:nvSpPr>
+              <p:cNvPr id="22" name="Rectangle 21"/>
+              <p:cNvSpPr/>
+              <p:nvPr/>
+            </p:nvSpPr>
+            <p:spPr>
+              <a:xfrm>
+                <a:off x="161924" y="522845"/>
+                <a:ext cx="930559" cy="741931"/>
+              </a:xfrm>
+              <a:prstGeom prst="rect">
+                <a:avLst/>
+              </a:prstGeom>
+              <a:solidFill>
+                <a:srgbClr val="FF0000"/>
+              </a:solidFill>
+              <a:ln>
+                <a:noFill/>
+              </a:ln>
+              <a:effectLst>
+                <a:outerShdw blurRad="190500" dist="228600" dir="2700000" algn="ctr">
+                  <a:srgbClr val="000000">
+                    <a:alpha val="30000"/>
+                  </a:srgbClr>
+                </a:outerShdw>
+              </a:effectLst>
+              <a:scene3d>
+                <a:camera prst="orthographicFront">
+                  <a:rot lat="0" lon="0" rev="0"/>
+                </a:camera>
+                <a:lightRig rig="glow" dir="t">
+                  <a:rot lat="0" lon="0" rev="4800000"/>
+                </a:lightRig>
+              </a:scene3d>
+              <a:sp3d prstMaterial="matte">
+                <a:bevelT w="127000" h="63500"/>
+              </a:sp3d>
+            </p:spPr>
+            <p:style>
+              <a:lnRef idx="2">
+                <a:schemeClr val="accent1">
+                  <a:shade val="50000"/>
+                </a:schemeClr>
+              </a:lnRef>
+              <a:fillRef idx="1">
+                <a:schemeClr val="accent1"/>
+              </a:fillRef>
+              <a:effectRef idx="0">
+                <a:schemeClr val="accent1"/>
+              </a:effectRef>
+              <a:fontRef idx="minor">
+                <a:schemeClr val="lt1"/>
+              </a:fontRef>
+            </p:style>
+            <p:txBody>
+              <a:bodyPr rtlCol="0" anchor="ctr"/>
+              <a:lstStyle/>
+              <a:p>
+                <a:pPr algn="ctr"/>
+                <a:r>
+                  <a:rPr lang="en-US" sz="1400" b="1" dirty="0" smtClean="0">
+                    <a:solidFill>
+                      <a:schemeClr val="tx1"/>
+                    </a:solidFill>
+                  </a:rPr>
+                  <a:t>Source</a:t>
+                </a:r>
+                <a:endParaRPr lang="en-US" sz="1400" b="1" dirty="0">
+                  <a:solidFill>
+                    <a:schemeClr val="tx1"/>
+                  </a:solidFill>
+                </a:endParaRPr>
+              </a:p>
+            </p:txBody>
+          </p:sp>
+          <p:sp>
+            <p:nvSpPr>
+              <p:cNvPr id="47" name="Rectangle 46"/>
+              <p:cNvSpPr/>
+              <p:nvPr/>
+            </p:nvSpPr>
+            <p:spPr>
+              <a:xfrm>
+                <a:off x="1346513" y="522845"/>
+                <a:ext cx="1103530" cy="741931"/>
+              </a:xfrm>
+              <a:prstGeom prst="rect">
+                <a:avLst/>
+              </a:prstGeom>
+              <a:solidFill>
+                <a:srgbClr val="00B050"/>
+              </a:solidFill>
+              <a:ln>
+                <a:noFill/>
+              </a:ln>
+              <a:effectLst>
+                <a:outerShdw blurRad="190500" dist="228600" dir="2700000" algn="ctr">
+                  <a:srgbClr val="000000">
+                    <a:alpha val="30000"/>
+                  </a:srgbClr>
+                </a:outerShdw>
+              </a:effectLst>
+              <a:scene3d>
+                <a:camera prst="orthographicFront">
+                  <a:rot lat="0" lon="0" rev="0"/>
+                </a:camera>
+                <a:lightRig rig="glow" dir="t">
+                  <a:rot lat="0" lon="0" rev="4800000"/>
+                </a:lightRig>
+              </a:scene3d>
+              <a:sp3d prstMaterial="matte">
+                <a:bevelT w="127000" h="63500"/>
+              </a:sp3d>
+            </p:spPr>
+            <p:style>
+              <a:lnRef idx="2">
+                <a:schemeClr val="accent1">
+                  <a:shade val="50000"/>
+                </a:schemeClr>
+              </a:lnRef>
+              <a:fillRef idx="1">
+                <a:schemeClr val="accent1"/>
+              </a:fillRef>
+              <a:effectRef idx="0">
+                <a:schemeClr val="accent1"/>
+              </a:effectRef>
+              <a:fontRef idx="minor">
+                <a:schemeClr val="lt1"/>
+              </a:fontRef>
+            </p:style>
+            <p:txBody>
+              <a:bodyPr rtlCol="0" anchor="ctr"/>
+              <a:lstStyle/>
+              <a:p>
+                <a:pPr algn="ctr"/>
+                <a:r>
+                  <a:rPr lang="en-US" sz="1400" b="1" dirty="0" smtClean="0">
+                    <a:solidFill>
+                      <a:schemeClr val="tx1"/>
+                    </a:solidFill>
+                  </a:rPr>
+                  <a:t>MPAM Mapping</a:t>
+                </a:r>
+                <a:endParaRPr lang="en-US" sz="1400" b="1" dirty="0">
+                  <a:solidFill>
+                    <a:schemeClr val="tx1"/>
+                  </a:solidFill>
+                </a:endParaRPr>
+              </a:p>
+            </p:txBody>
+          </p:sp>
+          <p:sp>
+            <p:nvSpPr>
+              <p:cNvPr id="48" name="Rectangle 47"/>
+              <p:cNvSpPr/>
+              <p:nvPr/>
+            </p:nvSpPr>
+            <p:spPr>
+              <a:xfrm>
+                <a:off x="2718354" y="522845"/>
+                <a:ext cx="1541731" cy="741931"/>
+              </a:xfrm>
+              <a:prstGeom prst="rect">
+                <a:avLst/>
+              </a:prstGeom>
+              <a:solidFill>
+                <a:srgbClr val="00B0F0"/>
+              </a:solidFill>
+              <a:ln>
+                <a:noFill/>
+              </a:ln>
+              <a:effectLst>
+                <a:outerShdw blurRad="190500" dist="228600" dir="2700000" algn="ctr">
+                  <a:srgbClr val="000000">
+                    <a:alpha val="30000"/>
+                  </a:srgbClr>
+                </a:outerShdw>
+              </a:effectLst>
+              <a:scene3d>
+                <a:camera prst="orthographicFront">
+                  <a:rot lat="0" lon="0" rev="0"/>
+                </a:camera>
+                <a:lightRig rig="glow" dir="t">
+                  <a:rot lat="0" lon="0" rev="4800000"/>
+                </a:lightRig>
+              </a:scene3d>
+              <a:sp3d prstMaterial="matte">
+                <a:bevelT w="127000" h="63500"/>
+              </a:sp3d>
+            </p:spPr>
+            <p:style>
+              <a:lnRef idx="2">
+                <a:schemeClr val="accent1">
+                  <a:shade val="50000"/>
+                </a:schemeClr>
+              </a:lnRef>
+              <a:fillRef idx="1">
+                <a:schemeClr val="accent1"/>
+              </a:fillRef>
+              <a:effectRef idx="0">
+                <a:schemeClr val="accent1"/>
+              </a:effectRef>
+              <a:fontRef idx="minor">
+                <a:schemeClr val="lt1"/>
+              </a:fontRef>
+            </p:style>
+            <p:txBody>
+              <a:bodyPr rtlCol="0" anchor="ctr"/>
+              <a:lstStyle/>
+              <a:p>
+                <a:pPr algn="ctr"/>
+                <a:r>
+                  <a:rPr lang="en-US" sz="1400" b="1" dirty="0" smtClean="0">
+                    <a:solidFill>
+                      <a:schemeClr val="tx1"/>
+                    </a:solidFill>
+                  </a:rPr>
+                  <a:t>RRC &amp;                 Up-conversion</a:t>
+                </a:r>
+                <a:endParaRPr lang="en-US" sz="1400" b="1" dirty="0">
+                  <a:solidFill>
+                    <a:schemeClr val="tx1"/>
+                  </a:solidFill>
+                </a:endParaRPr>
+              </a:p>
+            </p:txBody>
+          </p:sp>
+          <p:cxnSp>
+            <p:nvCxnSpPr>
+              <p:cNvPr id="16" name="Straight Arrow Connector 15"/>
+              <p:cNvCxnSpPr>
+                <a:stCxn id="22" idx="3"/>
+                <a:endCxn id="47" idx="1"/>
+              </p:cNvCxnSpPr>
+              <p:nvPr/>
+            </p:nvCxnSpPr>
+            <p:spPr>
+              <a:xfrm>
+                <a:off x="1092483" y="893811"/>
+                <a:ext cx="254030" cy="0"/>
+              </a:xfrm>
+              <a:prstGeom prst="straightConnector1">
+                <a:avLst/>
+              </a:prstGeom>
+              <a:ln w="28575">
+                <a:tailEnd type="triangle"/>
+              </a:ln>
+            </p:spPr>
+            <p:style>
+              <a:lnRef idx="1">
+                <a:schemeClr val="dk1"/>
+              </a:lnRef>
+              <a:fillRef idx="0">
+                <a:schemeClr val="dk1"/>
+              </a:fillRef>
+              <a:effectRef idx="0">
+                <a:schemeClr val="dk1"/>
+              </a:effectRef>
+              <a:fontRef idx="minor">
+                <a:schemeClr val="tx1"/>
+              </a:fontRef>
+            </p:style>
+          </p:cxnSp>
+          <p:cxnSp>
+            <p:nvCxnSpPr>
+              <p:cNvPr id="26" name="Straight Arrow Connector 25"/>
+              <p:cNvCxnSpPr>
+                <a:stCxn id="47" idx="3"/>
+                <a:endCxn id="48" idx="1"/>
+              </p:cNvCxnSpPr>
+              <p:nvPr/>
+            </p:nvCxnSpPr>
+            <p:spPr>
+              <a:xfrm>
+                <a:off x="2450044" y="893811"/>
+                <a:ext cx="268310" cy="0"/>
+              </a:xfrm>
+              <a:prstGeom prst="straightConnector1">
+                <a:avLst/>
+              </a:prstGeom>
+              <a:ln w="28575">
+                <a:tailEnd type="triangle"/>
+              </a:ln>
+            </p:spPr>
+            <p:style>
+              <a:lnRef idx="1">
+                <a:schemeClr val="dk1"/>
+              </a:lnRef>
+              <a:fillRef idx="0">
+                <a:schemeClr val="dk1"/>
+              </a:fillRef>
+              <a:effectRef idx="0">
+                <a:schemeClr val="dk1"/>
+              </a:effectRef>
+              <a:fontRef idx="minor">
+                <a:schemeClr val="tx1"/>
+              </a:fontRef>
+            </p:style>
+          </p:cxnSp>
+          <p:sp>
+            <p:nvSpPr>
+              <p:cNvPr id="66" name="Rectangle 65"/>
+              <p:cNvSpPr/>
+              <p:nvPr/>
+            </p:nvSpPr>
+            <p:spPr>
+              <a:xfrm>
+                <a:off x="2937455" y="2365227"/>
+                <a:ext cx="1103530" cy="741931"/>
+              </a:xfrm>
+              <a:prstGeom prst="rect">
+                <a:avLst/>
+              </a:prstGeom>
+              <a:solidFill>
+                <a:srgbClr val="00B050"/>
+              </a:solidFill>
+              <a:ln>
+                <a:noFill/>
+              </a:ln>
+              <a:effectLst>
+                <a:outerShdw blurRad="190500" dist="228600" dir="2700000" algn="ctr">
+                  <a:srgbClr val="000000">
+                    <a:alpha val="30000"/>
+                  </a:srgbClr>
+                </a:outerShdw>
+              </a:effectLst>
+              <a:scene3d>
+                <a:camera prst="orthographicFront">
+                  <a:rot lat="0" lon="0" rev="0"/>
+                </a:camera>
+                <a:lightRig rig="glow" dir="t">
+                  <a:rot lat="0" lon="0" rev="4800000"/>
+                </a:lightRig>
+              </a:scene3d>
+              <a:sp3d prstMaterial="matte">
+                <a:bevelT w="127000" h="63500"/>
+              </a:sp3d>
+            </p:spPr>
+            <p:style>
+              <a:lnRef idx="2">
+                <a:schemeClr val="accent1">
+                  <a:shade val="50000"/>
+                </a:schemeClr>
+              </a:lnRef>
+              <a:fillRef idx="1">
+                <a:schemeClr val="accent1"/>
+              </a:fillRef>
+              <a:effectRef idx="0">
+                <a:schemeClr val="accent1"/>
+              </a:effectRef>
+              <a:fontRef idx="minor">
+                <a:schemeClr val="lt1"/>
+              </a:fontRef>
+            </p:style>
+            <p:txBody>
+              <a:bodyPr rtlCol="0" anchor="ctr"/>
+              <a:lstStyle/>
+              <a:p>
+                <a:pPr algn="ctr"/>
+                <a:r>
+                  <a:rPr lang="en-US" sz="1400" b="1" dirty="0" smtClean="0">
+                    <a:solidFill>
+                      <a:schemeClr val="tx1"/>
+                    </a:solidFill>
+                  </a:rPr>
+                  <a:t>Hilbert Transform</a:t>
+                </a:r>
+                <a:endParaRPr lang="en-US" sz="1400" b="1" dirty="0">
+                  <a:solidFill>
+                    <a:schemeClr val="tx1"/>
+                  </a:solidFill>
+                </a:endParaRPr>
+              </a:p>
+            </p:txBody>
+          </p:sp>
+          <p:cxnSp>
+            <p:nvCxnSpPr>
+              <p:cNvPr id="44" name="Straight Arrow Connector 43"/>
+              <p:cNvCxnSpPr>
+                <a:stCxn id="48" idx="2"/>
+                <a:endCxn id="66" idx="0"/>
+              </p:cNvCxnSpPr>
+              <p:nvPr/>
+            </p:nvCxnSpPr>
+            <p:spPr>
+              <a:xfrm>
+                <a:off x="3489220" y="1264776"/>
+                <a:ext cx="0" cy="1100451"/>
+              </a:xfrm>
+              <a:prstGeom prst="straightConnector1">
+                <a:avLst/>
+              </a:prstGeom>
+              <a:ln w="28575">
+                <a:tailEnd type="triangle"/>
+              </a:ln>
+            </p:spPr>
+            <p:style>
+              <a:lnRef idx="1">
+                <a:schemeClr val="dk1"/>
+              </a:lnRef>
+              <a:fillRef idx="0">
+                <a:schemeClr val="dk1"/>
+              </a:fillRef>
+              <a:effectRef idx="0">
+                <a:schemeClr val="dk1"/>
+              </a:effectRef>
+              <a:fontRef idx="minor">
+                <a:schemeClr val="tx1"/>
+              </a:fontRef>
+            </p:style>
+          </p:cxnSp>
+        </p:grpSp>
         <p:cxnSp>
           <p:nvCxnSpPr>
-            <p:cNvPr id="26" name="Straight Arrow Connector 25"/>
+            <p:cNvPr id="59" name="Straight Connector 58"/>
             <p:cNvCxnSpPr>
-              <a:stCxn id="47" idx="3"/>
-              <a:endCxn id="48" idx="1"/>
+              <a:stCxn id="66" idx="2"/>
             </p:cNvCxnSpPr>
             <p:nvPr/>
           </p:nvCxnSpPr>
           <p:spPr>
-            <a:xfrm>
-              <a:off x="2450044" y="893811"/>
-              <a:ext cx="268310" cy="0"/>
+            <a:xfrm flipH="1">
+              <a:off x="3483912" y="3107158"/>
+              <a:ext cx="5308" cy="2267057"/>
             </a:xfrm>
-            <a:prstGeom prst="straightConnector1">
+            <a:prstGeom prst="line">
               <a:avLst/>
             </a:prstGeom>
-            <a:ln w="28575">
-              <a:tailEnd type="triangle"/>
-            </a:ln>
+            <a:ln w="28575"/>
           </p:spPr>
           <p:style>
             <a:lnRef idx="1">
@@ -4265,98 +4425,21 @@
             </a:fontRef>
           </p:style>
         </p:cxnSp>
-        <p:sp>
-          <p:nvSpPr>
-            <p:cNvPr id="66" name="Rectangle 65"/>
-            <p:cNvSpPr/>
-            <p:nvPr/>
-          </p:nvSpPr>
-          <p:spPr>
-            <a:xfrm>
-              <a:off x="2937455" y="2365227"/>
-              <a:ext cx="1103530" cy="741931"/>
-            </a:xfrm>
-            <a:prstGeom prst="rect">
-              <a:avLst/>
-            </a:prstGeom>
-            <a:solidFill>
-              <a:srgbClr val="00B050"/>
-            </a:solidFill>
-            <a:ln>
-              <a:noFill/>
-            </a:ln>
-            <a:effectLst>
-              <a:outerShdw blurRad="190500" dist="228600" dir="2700000" algn="ctr">
-                <a:srgbClr val="000000">
-                  <a:alpha val="30000"/>
-                </a:srgbClr>
-              </a:outerShdw>
-            </a:effectLst>
-            <a:scene3d>
-              <a:camera prst="orthographicFront">
-                <a:rot lat="0" lon="0" rev="0"/>
-              </a:camera>
-              <a:lightRig rig="glow" dir="t">
-                <a:rot lat="0" lon="0" rev="4800000"/>
-              </a:lightRig>
-            </a:scene3d>
-            <a:sp3d prstMaterial="matte">
-              <a:bevelT w="127000" h="63500"/>
-            </a:sp3d>
-          </p:spPr>
-          <p:style>
-            <a:lnRef idx="2">
-              <a:schemeClr val="accent1">
-                <a:shade val="50000"/>
-              </a:schemeClr>
-            </a:lnRef>
-            <a:fillRef idx="1">
-              <a:schemeClr val="accent1"/>
-            </a:fillRef>
-            <a:effectRef idx="0">
-              <a:schemeClr val="accent1"/>
-            </a:effectRef>
-            <a:fontRef idx="minor">
-              <a:schemeClr val="lt1"/>
-            </a:fontRef>
-          </p:style>
-          <p:txBody>
-            <a:bodyPr rtlCol="0" anchor="ctr"/>
-            <a:lstStyle/>
-            <a:p>
-              <a:pPr algn="ctr"/>
-              <a:r>
-                <a:rPr lang="en-US" sz="1400" b="1" dirty="0" smtClean="0">
-                  <a:solidFill>
-                    <a:schemeClr val="tx1"/>
-                  </a:solidFill>
-                </a:rPr>
-                <a:t>Hilbert Transform</a:t>
-              </a:r>
-              <a:endParaRPr lang="en-US" sz="1400" b="1" dirty="0">
-                <a:solidFill>
-                  <a:schemeClr val="tx1"/>
-                </a:solidFill>
-              </a:endParaRPr>
-            </a:p>
-          </p:txBody>
-        </p:sp>
         <p:cxnSp>
           <p:nvCxnSpPr>
-            <p:cNvPr id="44" name="Straight Arrow Connector 43"/>
-            <p:cNvCxnSpPr>
-              <a:stCxn id="48" idx="2"/>
-              <a:endCxn id="66" idx="0"/>
-            </p:cNvCxnSpPr>
+            <p:cNvPr id="61" name="Elbow Connector 60"/>
+            <p:cNvCxnSpPr/>
             <p:nvPr/>
           </p:nvCxnSpPr>
           <p:spPr>
-            <a:xfrm>
-              <a:off x="3489220" y="1264776"/>
-              <a:ext cx="0" cy="1100451"/>
+            <a:xfrm flipV="1">
+              <a:off x="3486564" y="4724736"/>
+              <a:ext cx="5019026" cy="649479"/>
             </a:xfrm>
-            <a:prstGeom prst="straightConnector1">
-              <a:avLst/>
+            <a:prstGeom prst="bentConnector3">
+              <a:avLst>
+                <a:gd name="adj1" fmla="val 99889"/>
+              </a:avLst>
             </a:prstGeom>
             <a:ln w="28575">
               <a:tailEnd type="triangle"/>
@@ -4378,74 +4461,6 @@
           </p:style>
         </p:cxnSp>
       </p:grpSp>
-      <p:cxnSp>
-        <p:nvCxnSpPr>
-          <p:cNvPr id="59" name="Straight Connector 58"/>
-          <p:cNvCxnSpPr>
-            <a:stCxn id="66" idx="2"/>
-          </p:cNvCxnSpPr>
-          <p:nvPr/>
-        </p:nvCxnSpPr>
-        <p:spPr>
-          <a:xfrm flipH="1">
-            <a:off x="3483912" y="3107158"/>
-            <a:ext cx="5308" cy="2267057"/>
-          </a:xfrm>
-          <a:prstGeom prst="line">
-            <a:avLst/>
-          </a:prstGeom>
-          <a:ln w="28575"/>
-        </p:spPr>
-        <p:style>
-          <a:lnRef idx="1">
-            <a:schemeClr val="dk1"/>
-          </a:lnRef>
-          <a:fillRef idx="0">
-            <a:schemeClr val="dk1"/>
-          </a:fillRef>
-          <a:effectRef idx="0">
-            <a:schemeClr val="dk1"/>
-          </a:effectRef>
-          <a:fontRef idx="minor">
-            <a:schemeClr val="tx1"/>
-          </a:fontRef>
-        </p:style>
-      </p:cxnSp>
-      <p:cxnSp>
-        <p:nvCxnSpPr>
-          <p:cNvPr id="61" name="Elbow Connector 60"/>
-          <p:cNvCxnSpPr/>
-          <p:nvPr/>
-        </p:nvCxnSpPr>
-        <p:spPr>
-          <a:xfrm flipV="1">
-            <a:off x="3486564" y="4724736"/>
-            <a:ext cx="5019026" cy="649479"/>
-          </a:xfrm>
-          <a:prstGeom prst="bentConnector3">
-            <a:avLst>
-              <a:gd name="adj1" fmla="val 99889"/>
-            </a:avLst>
-          </a:prstGeom>
-          <a:ln w="28575">
-            <a:tailEnd type="triangle"/>
-          </a:ln>
-        </p:spPr>
-        <p:style>
-          <a:lnRef idx="1">
-            <a:schemeClr val="dk1"/>
-          </a:lnRef>
-          <a:fillRef idx="0">
-            <a:schemeClr val="dk1"/>
-          </a:fillRef>
-          <a:effectRef idx="0">
-            <a:schemeClr val="dk1"/>
-          </a:effectRef>
-          <a:fontRef idx="minor">
-            <a:schemeClr val="tx1"/>
-          </a:fontRef>
-        </p:style>
-      </p:cxnSp>
     </p:spTree>
     <p:extLst>
       <p:ext uri="{BB962C8B-B14F-4D97-AF65-F5344CB8AC3E}">
